--- a/lectures/NSP_l4.VSC_git_basics_continued.pptx
+++ b/lectures/NSP_l4.VSC_git_basics_continued.pptx
@@ -28,6 +28,7 @@
     <p:sldId id="274" r:id="rId23"/>
     <p:sldId id="275" r:id="rId24"/>
     <p:sldId id="276" r:id="rId25"/>
+    <p:sldId id="277" r:id="rId26"/>
   </p:sldIdLst>
   <p:sldSz cx="10080625" cy="5670550"/>
   <p:notesSz cx="7559675" cy="10691812"/>
@@ -4887,7 +4888,7 @@
         <p:spPr>
           <a:xfrm>
             <a:off x="504000" y="1283040"/>
-            <a:ext cx="9068760" cy="3372480"/>
+            <a:ext cx="9066600" cy="3370320"/>
           </a:xfrm>
           <a:prstGeom prst="rect">
             <a:avLst/>
@@ -5009,9 +5010,86 @@
           <a:chExt cx="0" cy="0"/>
         </a:xfrm>
       </p:grpSpPr>
+      <p:sp>
+        <p:nvSpPr>
+          <p:cNvPr id="131" name="CustomShape 1"/>
+          <p:cNvSpPr/>
+          <p:nvPr/>
+        </p:nvSpPr>
+        <p:spPr>
+          <a:xfrm>
+            <a:off x="504000" y="226080"/>
+            <a:ext cx="9066600" cy="941400"/>
+          </a:xfrm>
+          <a:prstGeom prst="rect">
+            <a:avLst/>
+          </a:prstGeom>
+          <a:noFill/>
+          <a:ln w="0">
+            <a:noFill/>
+          </a:ln>
+        </p:spPr>
+        <p:style>
+          <a:lnRef idx="0"/>
+          <a:fillRef idx="0"/>
+          <a:effectRef idx="0"/>
+          <a:fontRef idx="minor"/>
+        </p:style>
+        <p:txBody>
+          <a:bodyPr lIns="0" rIns="0" tIns="0" bIns="0" anchor="ctr">
+            <a:noAutofit/>
+          </a:bodyPr>
+          <a:p>
+            <a:pPr algn="ctr">
+              <a:lnSpc>
+                <a:spcPct val="100000"/>
+              </a:lnSpc>
+            </a:pPr>
+            <a:r>
+              <a:rPr b="0" lang="en-US" sz="4400" spc="-1" strike="noStrike">
+                <a:solidFill>
+                  <a:srgbClr val="000000"/>
+                </a:solidFill>
+                <a:latin typeface="Times New Roman"/>
+                <a:ea typeface="DejaVu Sans"/>
+              </a:rPr>
+              <a:t>Три дерева</a:t>
+            </a:r>
+            <a:endParaRPr b="0" lang="ru-RU" sz="4400" spc="-1" strike="noStrike">
+              <a:latin typeface="Arial"/>
+            </a:endParaRPr>
+          </a:p>
+        </p:txBody>
+      </p:sp>
+      <p:sp>
+        <p:nvSpPr>
+          <p:cNvPr id="132" name="CustomShape 2"/>
+          <p:cNvSpPr/>
+          <p:nvPr/>
+        </p:nvSpPr>
+        <p:spPr>
+          <a:xfrm>
+            <a:off x="640080" y="1326600"/>
+            <a:ext cx="9066600" cy="3971880"/>
+          </a:xfrm>
+          <a:prstGeom prst="rect">
+            <a:avLst/>
+          </a:prstGeom>
+          <a:noFill/>
+          <a:ln w="0">
+            <a:noFill/>
+          </a:ln>
+        </p:spPr>
+        <p:style>
+          <a:lnRef idx="0"/>
+          <a:fillRef idx="0"/>
+          <a:effectRef idx="0"/>
+          <a:fontRef idx="minor"/>
+        </p:style>
+      </p:sp>
       <p:pic>
         <p:nvPicPr>
-          <p:cNvPr id="132" name="" descr=""/>
+          <p:cNvPr id="133" name="" descr=""/>
           <p:cNvPicPr/>
           <p:nvPr/>
         </p:nvPicPr>
@@ -5021,8 +5099,8 @@
         </p:blipFill>
         <p:spPr>
           <a:xfrm>
-            <a:off x="2160000" y="0"/>
-            <a:ext cx="5362200" cy="4318200"/>
+            <a:off x="1260000" y="1326600"/>
+            <a:ext cx="7615800" cy="4196160"/>
           </a:xfrm>
           <a:prstGeom prst="rect">
             <a:avLst/>
@@ -5032,57 +5110,6 @@
           </a:ln>
         </p:spPr>
       </p:pic>
-      <p:sp>
-        <p:nvSpPr>
-          <p:cNvPr id="133" name="CustomShape 1"/>
-          <p:cNvSpPr/>
-          <p:nvPr/>
-        </p:nvSpPr>
-        <p:spPr>
-          <a:xfrm>
-            <a:off x="1180800" y="4680000"/>
-            <a:ext cx="7637400" cy="344880"/>
-          </a:xfrm>
-          <a:prstGeom prst="rect">
-            <a:avLst/>
-          </a:prstGeom>
-          <a:noFill/>
-          <a:ln w="0">
-            <a:noFill/>
-          </a:ln>
-        </p:spPr>
-        <p:style>
-          <a:lnRef idx="0"/>
-          <a:fillRef idx="0"/>
-          <a:effectRef idx="0"/>
-          <a:fontRef idx="minor"/>
-        </p:style>
-        <p:txBody>
-          <a:bodyPr lIns="90000" rIns="90000" tIns="45000" bIns="45000">
-            <a:noAutofit/>
-          </a:bodyPr>
-          <a:p>
-            <a:pPr>
-              <a:lnSpc>
-                <a:spcPct val="100000"/>
-              </a:lnSpc>
-            </a:pPr>
-            <a:r>
-              <a:rPr b="0" lang="ru-RU" sz="1800" spc="-1" strike="noStrike">
-                <a:solidFill>
-                  <a:srgbClr val="000000"/>
-                </a:solidFill>
-                <a:latin typeface="Times New Roman"/>
-                <a:ea typeface="DejaVu Sans"/>
-              </a:rPr>
-              <a:t>На данном этапе только дерево Рабочего Каталога содержит данные.</a:t>
-            </a:r>
-            <a:endParaRPr b="0" lang="ru-RU" sz="1800" spc="-1" strike="noStrike">
-              <a:latin typeface="Arial"/>
-            </a:endParaRPr>
-          </a:p>
-        </p:txBody>
-      </p:sp>
     </p:spTree>
   </p:cSld>
   <mc:AlternateContent>
@@ -5126,7 +5153,7 @@
         <p:spPr>
           <a:xfrm>
             <a:off x="2160000" y="0"/>
-            <a:ext cx="5049000" cy="4318200"/>
+            <a:ext cx="5360040" cy="4316040"/>
           </a:xfrm>
           <a:prstGeom prst="rect">
             <a:avLst/>
@@ -5144,8 +5171,8 @@
         </p:nvSpPr>
         <p:spPr>
           <a:xfrm>
-            <a:off x="1440000" y="4680000"/>
-            <a:ext cx="6890760" cy="594720"/>
+            <a:off x="1180800" y="4680000"/>
+            <a:ext cx="7635240" cy="342720"/>
           </a:xfrm>
           <a:prstGeom prst="rect">
             <a:avLst/>
@@ -5179,7 +5206,7 @@
                 <a:latin typeface="Times New Roman"/>
                 <a:ea typeface="DejaVu Sans"/>
               </a:rPr>
-              <a:t>Теперь мы хотим закоммитить этот файл, поэтому мы используем git add для копирования содержимого Рабочего Каталога в Индекс</a:t>
+              <a:t>На данном этапе только дерево Рабочего Каталога содержит данные.</a:t>
             </a:r>
             <a:endParaRPr b="0" lang="ru-RU" sz="1800" spc="-1" strike="noStrike">
               <a:latin typeface="Arial"/>
@@ -5230,7 +5257,7 @@
         <p:spPr>
           <a:xfrm>
             <a:off x="2160000" y="0"/>
-            <a:ext cx="4919400" cy="4318200"/>
+            <a:ext cx="5046840" cy="4316040"/>
           </a:xfrm>
           <a:prstGeom prst="rect">
             <a:avLst/>
@@ -5248,8 +5275,8 @@
         </p:nvSpPr>
         <p:spPr>
           <a:xfrm>
-            <a:off x="180000" y="4320000"/>
-            <a:ext cx="9718200" cy="1353960"/>
+            <a:off x="1440000" y="4680000"/>
+            <a:ext cx="6888600" cy="592560"/>
           </a:xfrm>
           <a:prstGeom prst="rect">
             <a:avLst/>
@@ -5283,27 +5310,7 @@
                 <a:latin typeface="Times New Roman"/>
                 <a:ea typeface="DejaVu Sans"/>
               </a:rPr>
-              <a:t>Затем, мы выполняем команду git commit, которая сохраняет содержимое Индекса как неизменяемый снимок, создает объект коммита, который указывает на этот снимок, и обновляет master так, чтобы он тоже указывал на этот коммит. </a:t>
-            </a:r>
-            <a:endParaRPr b="0" lang="ru-RU" sz="1800" spc="-1" strike="noStrike">
-              <a:latin typeface="Arial"/>
-            </a:endParaRPr>
-          </a:p>
-          <a:p>
-            <a:pPr>
-              <a:lnSpc>
-                <a:spcPct val="100000"/>
-              </a:lnSpc>
-            </a:pPr>
-            <a:r>
-              <a:rPr b="0" lang="ru-RU" sz="1800" spc="-1" strike="noStrike">
-                <a:solidFill>
-                  <a:srgbClr val="000000"/>
-                </a:solidFill>
-                <a:latin typeface="Times New Roman"/>
-                <a:ea typeface="DejaVu Sans"/>
-              </a:rPr>
-              <a:t>Если сейчас выполнить git status, то мы не увидим никаких изменений, так как все три дерева одинаковые.</a:t>
+              <a:t>Теперь мы хотим закоммитить этот файл, поэтому мы используем git add для копирования содержимого Рабочего Каталога в Индекс</a:t>
             </a:r>
             <a:endParaRPr b="0" lang="ru-RU" sz="1800" spc="-1" strike="noStrike">
               <a:latin typeface="Arial"/>
@@ -5354,7 +5361,7 @@
         <p:spPr>
           <a:xfrm>
             <a:off x="2160000" y="0"/>
-            <a:ext cx="4919400" cy="4318200"/>
+            <a:ext cx="4917240" cy="4316040"/>
           </a:xfrm>
           <a:prstGeom prst="rect">
             <a:avLst/>
@@ -5372,8 +5379,8 @@
         </p:nvSpPr>
         <p:spPr>
           <a:xfrm>
-            <a:off x="187560" y="4320000"/>
-            <a:ext cx="9891360" cy="1860120"/>
+            <a:off x="180000" y="4140000"/>
+            <a:ext cx="9716040" cy="1531800"/>
           </a:xfrm>
           <a:prstGeom prst="rect">
             <a:avLst/>
@@ -5407,7 +5414,7 @@
                 <a:latin typeface="Times New Roman"/>
                 <a:ea typeface="DejaVu Sans"/>
               </a:rPr>
-              <a:t>Теперь мы хотим внести изменения в файл и закоммитить его. Мы пройдём через всё ту же процедуру; сначала мы отредактируем файл в нашем рабочем каталоге. </a:t>
+              <a:t>Затем, мы выполняем команду git commit, которая сохраняет содержимое Индекса как неизменяемый снимок, создает объект коммита, который указывает на этот снимок, и обновляет master так, чтобы он тоже указывал на этот коммит. </a:t>
             </a:r>
             <a:endParaRPr b="0" lang="ru-RU" sz="1800" spc="-1" strike="noStrike">
               <a:latin typeface="Arial"/>
@@ -5419,16 +5426,6 @@
                 <a:spcPct val="100000"/>
               </a:lnSpc>
             </a:pPr>
-            <a:endParaRPr b="0" lang="ru-RU" sz="1800" spc="-1" strike="noStrike">
-              <a:latin typeface="Arial"/>
-            </a:endParaRPr>
-          </a:p>
-          <a:p>
-            <a:pPr>
-              <a:lnSpc>
-                <a:spcPct val="100000"/>
-              </a:lnSpc>
-            </a:pPr>
             <a:r>
               <a:rPr b="0" lang="ru-RU" sz="1800" spc="-1" strike="noStrike">
                 <a:solidFill>
@@ -5437,28 +5434,8 @@
                 <a:latin typeface="Times New Roman"/>
                 <a:ea typeface="DejaVu Sans"/>
               </a:rPr>
-              <a:t>Если сейчас мы выполним git status, то увидим, что файл выделен красным в разделе “Изменения, не подготовленные к коммиту”.</a:t>
-            </a:r>
-            <a:endParaRPr b="0" lang="ru-RU" sz="1800" spc="-1" strike="noStrike">
-              <a:latin typeface="Arial"/>
-            </a:endParaRPr>
-          </a:p>
-          <a:p>
-            <a:pPr>
-              <a:lnSpc>
-                <a:spcPct val="100000"/>
-              </a:lnSpc>
-            </a:pPr>
-            <a:endParaRPr b="0" lang="ru-RU" sz="1800" spc="-1" strike="noStrike">
-              <a:latin typeface="Arial"/>
-            </a:endParaRPr>
-          </a:p>
-          <a:p>
-            <a:pPr>
-              <a:lnSpc>
-                <a:spcPct val="100000"/>
-              </a:lnSpc>
-            </a:pPr>
+              <a:t>Если сейчас выполнить git status, то мы не увидим никаких изменений, так как все три дерева одинаковые.</a:t>
+            </a:r>
             <a:endParaRPr b="0" lang="ru-RU" sz="1800" spc="-1" strike="noStrike">
               <a:latin typeface="Arial"/>
             </a:endParaRPr>
@@ -5508,7 +5485,7 @@
         <p:spPr>
           <a:xfrm>
             <a:off x="2160000" y="0"/>
-            <a:ext cx="4919400" cy="4318200"/>
+            <a:ext cx="4917240" cy="4316040"/>
           </a:xfrm>
           <a:prstGeom prst="rect">
             <a:avLst/>
@@ -5526,8 +5503,8 @@
         </p:nvSpPr>
         <p:spPr>
           <a:xfrm>
-            <a:off x="180000" y="4680000"/>
-            <a:ext cx="9815040" cy="600840"/>
+            <a:off x="187560" y="4320000"/>
+            <a:ext cx="9889200" cy="1857960"/>
           </a:xfrm>
           <a:prstGeom prst="rect">
             <a:avLst/>
@@ -5561,8 +5538,48 @@
                 <a:latin typeface="Times New Roman"/>
                 <a:ea typeface="DejaVu Sans"/>
               </a:rPr>
-              <a:t>Если сейчас мы выполним git status, то увидим, что этот файл выделен зелёным цветом в разделе “Изменения, которые будут закоммичены”, так как Индекс и HEAD различны</a:t>
-            </a:r>
+              <a:t>Теперь мы хотим внести изменения в файл и закоммитить его. Мы пройдём через всё ту же процедуру; сначала мы отредактируем файл в нашем рабочем каталоге. </a:t>
+            </a:r>
+            <a:endParaRPr b="0" lang="ru-RU" sz="1800" spc="-1" strike="noStrike">
+              <a:latin typeface="Arial"/>
+            </a:endParaRPr>
+          </a:p>
+          <a:p>
+            <a:pPr>
+              <a:lnSpc>
+                <a:spcPct val="100000"/>
+              </a:lnSpc>
+            </a:pPr>
+            <a:r>
+              <a:rPr b="0" lang="ru-RU" sz="1800" spc="-1" strike="noStrike">
+                <a:solidFill>
+                  <a:srgbClr val="000000"/>
+                </a:solidFill>
+                <a:latin typeface="Times New Roman"/>
+                <a:ea typeface="DejaVu Sans"/>
+              </a:rPr>
+              <a:t>Если сейчас мы выполним git status, то увидим, что файл выделен красным в разделе “Изменения, не подготовленные к коммиту”.</a:t>
+            </a:r>
+            <a:endParaRPr b="0" lang="ru-RU" sz="1800" spc="-1" strike="noStrike">
+              <a:latin typeface="Arial"/>
+            </a:endParaRPr>
+          </a:p>
+          <a:p>
+            <a:pPr>
+              <a:lnSpc>
+                <a:spcPct val="100000"/>
+              </a:lnSpc>
+            </a:pPr>
+            <a:endParaRPr b="0" lang="ru-RU" sz="1800" spc="-1" strike="noStrike">
+              <a:latin typeface="Arial"/>
+            </a:endParaRPr>
+          </a:p>
+          <a:p>
+            <a:pPr>
+              <a:lnSpc>
+                <a:spcPct val="100000"/>
+              </a:lnSpc>
+            </a:pPr>
             <a:endParaRPr b="0" lang="ru-RU" sz="1800" spc="-1" strike="noStrike">
               <a:latin typeface="Arial"/>
             </a:endParaRPr>
@@ -5612,7 +5629,7 @@
         <p:spPr>
           <a:xfrm>
             <a:off x="2160000" y="0"/>
-            <a:ext cx="4919400" cy="4318200"/>
+            <a:ext cx="4917240" cy="4316040"/>
           </a:xfrm>
           <a:prstGeom prst="rect">
             <a:avLst/>
@@ -5630,8 +5647,8 @@
         </p:nvSpPr>
         <p:spPr>
           <a:xfrm>
-            <a:off x="180000" y="4500000"/>
-            <a:ext cx="10101960" cy="1045440"/>
+            <a:off x="180000" y="4680000"/>
+            <a:ext cx="9812880" cy="598680"/>
           </a:xfrm>
           <a:prstGeom prst="rect">
             <a:avLst/>
@@ -5665,57 +5682,7 @@
                 <a:latin typeface="Times New Roman"/>
                 <a:ea typeface="DejaVu Sans"/>
               </a:rPr>
-              <a:t>Сейчас команда git status не показывает ничего, так как снова все три дерева одинаковые.</a:t>
-            </a:r>
-            <a:endParaRPr b="0" lang="ru-RU" sz="1800" spc="-1" strike="noStrike">
-              <a:latin typeface="Arial"/>
-            </a:endParaRPr>
-          </a:p>
-          <a:p>
-            <a:pPr>
-              <a:lnSpc>
-                <a:spcPct val="100000"/>
-              </a:lnSpc>
-            </a:pPr>
-            <a:endParaRPr b="0" lang="ru-RU" sz="1800" spc="-1" strike="noStrike">
-              <a:latin typeface="Arial"/>
-            </a:endParaRPr>
-          </a:p>
-          <a:p>
-            <a:pPr>
-              <a:lnSpc>
-                <a:spcPct val="100000"/>
-              </a:lnSpc>
-            </a:pPr>
-            <a:r>
-              <a:rPr b="0" lang="ru-RU" sz="1800" spc="-1" strike="noStrike">
-                <a:solidFill>
-                  <a:srgbClr val="000000"/>
-                </a:solidFill>
-                <a:latin typeface="Times New Roman"/>
-                <a:ea typeface="DejaVu Sans"/>
-              </a:rPr>
-              <a:t>Команда </a:t>
-            </a:r>
-            <a:r>
-              <a:rPr b="1" lang="ru-RU" sz="1800" spc="-1" strike="noStrike">
-                <a:solidFill>
-                  <a:srgbClr val="000000"/>
-                </a:solidFill>
-                <a:latin typeface="Times New Roman"/>
-                <a:ea typeface="DejaVu Sans"/>
-              </a:rPr>
-              <a:t>reset</a:t>
-            </a:r>
-            <a:r>
-              <a:rPr b="0" lang="ru-RU" sz="1800" spc="-1" strike="noStrike">
-                <a:solidFill>
-                  <a:srgbClr val="000000"/>
-                </a:solidFill>
-                <a:latin typeface="Times New Roman"/>
-                <a:ea typeface="DejaVu Sans"/>
-              </a:rPr>
-              <a:t> становится более понятной, если рассмотреть её с учётом вышеизложенного.</a:t>
+              <a:t>Если сейчас мы выполним git status, то увидим, что этот файл выделен зелёным цветом в разделе “Изменения, которые будут закоммичены”, так как Индекс и HEAD различны</a:t>
             </a:r>
             <a:endParaRPr b="0" lang="ru-RU" sz="1800" spc="-1" strike="noStrike">
               <a:latin typeface="Arial"/>
@@ -5765,8 +5732,8 @@
         </p:blipFill>
         <p:spPr>
           <a:xfrm>
-            <a:off x="2124000" y="0"/>
-            <a:ext cx="5247360" cy="4318560"/>
+            <a:off x="2160000" y="0"/>
+            <a:ext cx="4917240" cy="4316040"/>
           </a:xfrm>
           <a:prstGeom prst="rect">
             <a:avLst/>
@@ -5785,7 +5752,7 @@
         <p:spPr>
           <a:xfrm>
             <a:off x="180000" y="4500000"/>
-            <a:ext cx="10101960" cy="1045440"/>
+            <a:ext cx="10099800" cy="1043280"/>
           </a:xfrm>
           <a:prstGeom prst="rect">
             <a:avLst/>
@@ -5819,27 +5786,57 @@
                 <a:latin typeface="Times New Roman"/>
                 <a:ea typeface="DejaVu Sans"/>
               </a:rPr>
-              <a:t>Назначение </a:t>
-            </a:r>
-            <a:r>
-              <a:rPr b="1" lang="ru-RU" sz="1800" spc="-1" strike="noStrike">
+              <a:t>Сейчас команда git status не показывает ничего, так как снова все три дерева одинаковые.</a:t>
+            </a:r>
+            <a:endParaRPr b="0" lang="ru-RU" sz="1800" spc="-1" strike="noStrike">
+              <a:latin typeface="Arial"/>
+            </a:endParaRPr>
+          </a:p>
+          <a:p>
+            <a:pPr>
+              <a:lnSpc>
+                <a:spcPct val="100000"/>
+              </a:lnSpc>
+            </a:pPr>
+            <a:endParaRPr b="0" lang="ru-RU" sz="1800" spc="-1" strike="noStrike">
+              <a:latin typeface="Arial"/>
+            </a:endParaRPr>
+          </a:p>
+          <a:p>
+            <a:pPr>
+              <a:lnSpc>
+                <a:spcPct val="100000"/>
+              </a:lnSpc>
+            </a:pPr>
+            <a:r>
+              <a:rPr b="0" lang="ru-RU" sz="1800" spc="-1" strike="noStrike">
                 <a:solidFill>
                   <a:srgbClr val="000000"/>
                 </a:solidFill>
                 <a:latin typeface="Times New Roman"/>
                 <a:ea typeface="DejaVu Sans"/>
               </a:rPr>
-              <a:t>reset</a:t>
-            </a:r>
-            <a:r>
-              <a:rPr b="0" lang="ru-RU" sz="1800" spc="-1" strike="noStrike">
+              <a:t>Команда </a:t>
+            </a:r>
+            <a:r>
+              <a:rPr b="1" lang="ru-RU" sz="1800" spc="-1" strike="noStrike">
                 <a:solidFill>
                   <a:srgbClr val="000000"/>
                 </a:solidFill>
                 <a:latin typeface="Times New Roman"/>
                 <a:ea typeface="DejaVu Sans"/>
               </a:rPr>
-              <a:t>: Перемещение HEAD, обновление индекса, обновление рабочего Католога</a:t>
+              <a:t>reset</a:t>
+            </a:r>
+            <a:r>
+              <a:rPr b="0" lang="ru-RU" sz="1800" spc="-1" strike="noStrike">
+                <a:solidFill>
+                  <a:srgbClr val="000000"/>
+                </a:solidFill>
+                <a:latin typeface="Times New Roman"/>
+                <a:ea typeface="DejaVu Sans"/>
+              </a:rPr>
+              <a:t> становится более понятной, если рассмотреть её с учётом вышеизложенного.</a:t>
             </a:r>
             <a:endParaRPr b="0" lang="ru-RU" sz="1800" spc="-1" strike="noStrike">
               <a:latin typeface="Arial"/>
@@ -5877,60 +5874,9 @@
           <a:chExt cx="0" cy="0"/>
         </a:xfrm>
       </p:grpSpPr>
-      <p:sp>
-        <p:nvSpPr>
-          <p:cNvPr id="146" name="CustomShape 1"/>
-          <p:cNvSpPr/>
-          <p:nvPr/>
-        </p:nvSpPr>
-        <p:spPr>
-          <a:xfrm>
-            <a:off x="504000" y="0"/>
-            <a:ext cx="9070920" cy="945360"/>
-          </a:xfrm>
-          <a:prstGeom prst="rect">
-            <a:avLst/>
-          </a:prstGeom>
-          <a:noFill/>
-          <a:ln w="0">
-            <a:noFill/>
-          </a:ln>
-        </p:spPr>
-        <p:style>
-          <a:lnRef idx="0"/>
-          <a:fillRef idx="0"/>
-          <a:effectRef idx="0"/>
-          <a:fontRef idx="minor"/>
-        </p:style>
-        <p:txBody>
-          <a:bodyPr lIns="0" rIns="0" tIns="0" bIns="0" anchor="ctr">
-            <a:noAutofit/>
-          </a:bodyPr>
-          <a:p>
-            <a:pPr algn="ctr">
-              <a:lnSpc>
-                <a:spcPct val="100000"/>
-              </a:lnSpc>
-            </a:pPr>
-            <a:r>
-              <a:rPr b="0" lang="ru-RU" sz="4400" spc="-1" strike="noStrike">
-                <a:solidFill>
-                  <a:srgbClr val="000000"/>
-                </a:solidFill>
-                <a:latin typeface="Times New Roman"/>
-                <a:ea typeface="DejaVu Sans"/>
-              </a:rPr>
-              <a:t>Перемещение HEAD (--soft)</a:t>
-            </a:r>
-            <a:endParaRPr b="0" lang="ru-RU" sz="4400" spc="-1" strike="noStrike">
-              <a:latin typeface="Arial"/>
-            </a:endParaRPr>
-          </a:p>
-        </p:txBody>
-      </p:sp>
       <p:pic>
         <p:nvPicPr>
-          <p:cNvPr id="147" name="" descr=""/>
+          <p:cNvPr id="146" name="" descr=""/>
           <p:cNvPicPr/>
           <p:nvPr/>
         </p:nvPicPr>
@@ -5940,8 +5886,8 @@
         </p:blipFill>
         <p:spPr>
           <a:xfrm>
-            <a:off x="2520000" y="1027440"/>
-            <a:ext cx="5187240" cy="4551480"/>
+            <a:off x="2160000" y="29520"/>
+            <a:ext cx="4994280" cy="4110120"/>
           </a:xfrm>
           <a:prstGeom prst="rect">
             <a:avLst/>
@@ -5951,6 +5897,77 @@
           </a:ln>
         </p:spPr>
       </p:pic>
+      <p:sp>
+        <p:nvSpPr>
+          <p:cNvPr id="147" name="CustomShape 1"/>
+          <p:cNvSpPr/>
+          <p:nvPr/>
+        </p:nvSpPr>
+        <p:spPr>
+          <a:xfrm>
+            <a:off x="180000" y="4500000"/>
+            <a:ext cx="10099800" cy="1043280"/>
+          </a:xfrm>
+          <a:prstGeom prst="rect">
+            <a:avLst/>
+          </a:prstGeom>
+          <a:noFill/>
+          <a:ln w="0">
+            <a:noFill/>
+          </a:ln>
+        </p:spPr>
+        <p:style>
+          <a:lnRef idx="0"/>
+          <a:fillRef idx="0"/>
+          <a:effectRef idx="0"/>
+          <a:fontRef idx="minor"/>
+        </p:style>
+        <p:txBody>
+          <a:bodyPr lIns="90000" rIns="90000" tIns="45000" bIns="45000">
+            <a:noAutofit/>
+          </a:bodyPr>
+          <a:p>
+            <a:pPr>
+              <a:lnSpc>
+                <a:spcPct val="100000"/>
+              </a:lnSpc>
+            </a:pPr>
+            <a:r>
+              <a:rPr b="0" lang="ru-RU" sz="1800" spc="-1" strike="noStrike">
+                <a:solidFill>
+                  <a:srgbClr val="000000"/>
+                </a:solidFill>
+                <a:latin typeface="Times New Roman"/>
+                <a:ea typeface="DejaVu Sans"/>
+              </a:rPr>
+              <a:t>Назначение </a:t>
+            </a:r>
+            <a:r>
+              <a:rPr b="1" lang="ru-RU" sz="1800" spc="-1" strike="noStrike">
+                <a:solidFill>
+                  <a:srgbClr val="000000"/>
+                </a:solidFill>
+                <a:latin typeface="Times New Roman"/>
+                <a:ea typeface="DejaVu Sans"/>
+              </a:rPr>
+              <a:t>reset</a:t>
+            </a:r>
+            <a:r>
+              <a:rPr b="0" lang="ru-RU" sz="1800" spc="-1" strike="noStrike">
+                <a:solidFill>
+                  <a:srgbClr val="000000"/>
+                </a:solidFill>
+                <a:latin typeface="Times New Roman"/>
+                <a:ea typeface="DejaVu Sans"/>
+              </a:rPr>
+              <a:t>: Перемещение HEAD, обновление индекса, обновление рабочего Католога</a:t>
+            </a:r>
+            <a:endParaRPr b="0" lang="ru-RU" sz="1800" spc="-1" strike="noStrike">
+              <a:latin typeface="Arial"/>
+            </a:endParaRPr>
+          </a:p>
+        </p:txBody>
+      </p:sp>
     </p:spTree>
   </p:cSld>
   <mc:AlternateContent>
@@ -5990,7 +6007,7 @@
         <p:spPr>
           <a:xfrm>
             <a:off x="504000" y="0"/>
-            <a:ext cx="9070920" cy="945360"/>
+            <a:ext cx="9068760" cy="943200"/>
           </a:xfrm>
           <a:prstGeom prst="rect">
             <a:avLst/>
@@ -6017,16 +6034,16 @@
               </a:lnSpc>
             </a:pPr>
             <a:r>
-              <a:rPr b="0" lang="ru-RU" sz="4400" spc="-1" strike="noStrike">
+              <a:rPr b="0" lang="ru-RU" sz="3200" spc="-1" strike="noStrike">
                 <a:solidFill>
                   <a:srgbClr val="000000"/>
                 </a:solidFill>
                 <a:latin typeface="Times New Roman"/>
                 <a:ea typeface="DejaVu Sans"/>
               </a:rPr>
-              <a:t>Обновление Индекса (--mixed)</a:t>
-            </a:r>
-            <a:endParaRPr b="0" lang="ru-RU" sz="4400" spc="-1" strike="noStrike">
+              <a:t>Перемещение HEAD (--soft)</a:t>
+            </a:r>
+            <a:endParaRPr b="0" lang="ru-RU" sz="3200" spc="-1" strike="noStrike">
               <a:latin typeface="Arial"/>
             </a:endParaRPr>
           </a:p>
@@ -6045,7 +6062,7 @@
         <p:spPr>
           <a:xfrm>
             <a:off x="2520000" y="1027440"/>
-            <a:ext cx="5187240" cy="4551480"/>
+            <a:ext cx="5185080" cy="4549320"/>
           </a:xfrm>
           <a:prstGeom prst="rect">
             <a:avLst/>
@@ -6094,7 +6111,7 @@
         <p:spPr>
           <a:xfrm>
             <a:off x="504000" y="-145800"/>
-            <a:ext cx="9394920" cy="1236960"/>
+            <a:ext cx="9392760" cy="1234800"/>
           </a:xfrm>
           <a:prstGeom prst="rect">
             <a:avLst/>
@@ -6121,16 +6138,16 @@
               </a:lnSpc>
             </a:pPr>
             <a:r>
-              <a:rPr b="0" lang="ru-RU" sz="4400" spc="-1" strike="noStrike">
+              <a:rPr b="0" lang="ru-RU" sz="3200" spc="-1" strike="noStrike">
                 <a:solidFill>
                   <a:srgbClr val="000000"/>
                 </a:solidFill>
                 <a:latin typeface="Times New Roman"/>
                 <a:ea typeface="DejaVu Sans"/>
               </a:rPr>
-              <a:t>Обновление Рабочего каталога (--hard)</a:t>
-            </a:r>
-            <a:endParaRPr b="0" lang="ru-RU" sz="4400" spc="-1" strike="noStrike">
+              <a:t>Обновление Индекса (--mixed)</a:t>
+            </a:r>
+            <a:endParaRPr b="0" lang="ru-RU" sz="3200" spc="-1" strike="noStrike">
               <a:latin typeface="Arial"/>
             </a:endParaRPr>
           </a:p>
@@ -6149,7 +6166,7 @@
         <p:spPr>
           <a:xfrm>
             <a:off x="2520000" y="1027440"/>
-            <a:ext cx="5187240" cy="4551480"/>
+            <a:ext cx="5185080" cy="4549320"/>
           </a:xfrm>
           <a:prstGeom prst="rect">
             <a:avLst/>
@@ -6198,7 +6215,7 @@
         <p:spPr>
           <a:xfrm>
             <a:off x="504000" y="226080"/>
-            <a:ext cx="9068760" cy="943560"/>
+            <a:ext cx="9066600" cy="941400"/>
           </a:xfrm>
           <a:prstGeom prst="rect">
             <a:avLst/>
@@ -6249,7 +6266,7 @@
         <p:spPr>
           <a:xfrm>
             <a:off x="640080" y="1326600"/>
-            <a:ext cx="9068760" cy="3974040"/>
+            <a:ext cx="9066600" cy="3971880"/>
           </a:xfrm>
           <a:prstGeom prst="rect">
             <a:avLst/>
@@ -6270,7 +6287,7 @@
             <a:normAutofit fontScale="66000"/>
           </a:bodyPr>
           <a:p>
-            <a:pPr marL="432000" indent="-321120">
+            <a:pPr marL="432000" indent="-318960">
               <a:lnSpc>
                 <a:spcPct val="100000"/>
               </a:lnSpc>
@@ -6299,7 +6316,7 @@
             </a:endParaRPr>
           </a:p>
           <a:p>
-            <a:pPr lvl="1" marL="864000" indent="-321120">
+            <a:pPr lvl="1" marL="864000" indent="-318960">
               <a:lnSpc>
                 <a:spcPct val="100000"/>
               </a:lnSpc>
@@ -6328,7 +6345,7 @@
             </a:endParaRPr>
           </a:p>
           <a:p>
-            <a:pPr marL="432000" indent="-321120">
+            <a:pPr marL="432000" indent="-318960">
               <a:lnSpc>
                 <a:spcPct val="100000"/>
               </a:lnSpc>
@@ -6367,7 +6384,7 @@
             </a:endParaRPr>
           </a:p>
           <a:p>
-            <a:pPr lvl="1" marL="864000" indent="-321120">
+            <a:pPr lvl="1" marL="864000" indent="-318960">
               <a:lnSpc>
                 <a:spcPct val="100000"/>
               </a:lnSpc>
@@ -6416,7 +6433,7 @@
             </a:endParaRPr>
           </a:p>
           <a:p>
-            <a:pPr marL="432000" indent="-321120">
+            <a:pPr marL="432000" indent="-318960">
               <a:lnSpc>
                 <a:spcPct val="100000"/>
               </a:lnSpc>
@@ -6445,7 +6462,7 @@
             </a:endParaRPr>
           </a:p>
           <a:p>
-            <a:pPr lvl="1" marL="864000" indent="-321120">
+            <a:pPr lvl="1" marL="864000" indent="-318960">
               <a:lnSpc>
                 <a:spcPct val="100000"/>
               </a:lnSpc>
@@ -6474,7 +6491,7 @@
             </a:endParaRPr>
           </a:p>
           <a:p>
-            <a:pPr marL="432000" indent="-321120">
+            <a:pPr marL="432000" indent="-318960">
               <a:lnSpc>
                 <a:spcPct val="100000"/>
               </a:lnSpc>
@@ -6503,7 +6520,7 @@
             </a:endParaRPr>
           </a:p>
           <a:p>
-            <a:pPr lvl="1" marL="864000" indent="-321120">
+            <a:pPr lvl="1" marL="864000" indent="-318960">
               <a:lnSpc>
                 <a:spcPct val="100000"/>
               </a:lnSpc>
@@ -6532,7 +6549,7 @@
             </a:endParaRPr>
           </a:p>
           <a:p>
-            <a:pPr marL="432000" indent="-321120">
+            <a:pPr marL="432000" indent="-318960">
               <a:lnSpc>
                 <a:spcPct val="100000"/>
               </a:lnSpc>
@@ -6561,7 +6578,7 @@
             </a:endParaRPr>
           </a:p>
           <a:p>
-            <a:pPr lvl="1" marL="864000" indent="-321120">
+            <a:pPr lvl="1" marL="864000" indent="-318960">
               <a:lnSpc>
                 <a:spcPct val="100000"/>
               </a:lnSpc>
@@ -6629,8 +6646,8 @@
         </p:nvSpPr>
         <p:spPr>
           <a:xfrm>
-            <a:off x="504000" y="226080"/>
-            <a:ext cx="9068760" cy="943560"/>
+            <a:off x="504000" y="0"/>
+            <a:ext cx="9068760" cy="943200"/>
           </a:xfrm>
           <a:prstGeom prst="rect">
             <a:avLst/>
@@ -6657,451 +6674,74 @@
               </a:lnSpc>
             </a:pPr>
             <a:r>
-              <a:rPr b="0" lang="en-US" sz="4400" spc="-1" strike="noStrike">
+              <a:rPr b="0" lang="ru-RU" sz="3200" spc="-1" strike="noStrike">
                 <a:solidFill>
                   <a:srgbClr val="000000"/>
                 </a:solidFill>
                 <a:latin typeface="Times New Roman"/>
                 <a:ea typeface="DejaVu Sans"/>
               </a:rPr>
-              <a:t>Основные операции отмены</a:t>
-            </a:r>
-            <a:endParaRPr b="0" lang="ru-RU" sz="4400" spc="-1" strike="noStrike">
-              <a:latin typeface="Arial"/>
-            </a:endParaRPr>
-          </a:p>
-        </p:txBody>
-      </p:sp>
-      <p:sp>
-        <p:nvSpPr>
-          <p:cNvPr id="153" name="CustomShape 2"/>
-          <p:cNvSpPr/>
+              <a:t>Обновление</a:t>
+            </a:r>
+            <a:r>
+              <a:rPr b="0" lang="ru-RU" sz="1800" spc="-1" strike="noStrike">
+                <a:solidFill>
+                  <a:srgbClr val="000000"/>
+                </a:solidFill>
+                <a:latin typeface="Times New Roman"/>
+                <a:ea typeface="DejaVu Sans"/>
+              </a:rPr>
+              <a:t> </a:t>
+            </a:r>
+            <a:endParaRPr b="0" lang="ru-RU" sz="1800" spc="-1" strike="noStrike">
+              <a:latin typeface="Arial"/>
+            </a:endParaRPr>
+          </a:p>
+          <a:p>
+            <a:pPr algn="ctr">
+              <a:lnSpc>
+                <a:spcPct val="100000"/>
+              </a:lnSpc>
+            </a:pPr>
+            <a:r>
+              <a:rPr b="0" lang="ru-RU" sz="3200" spc="-1" strike="noStrike">
+                <a:solidFill>
+                  <a:srgbClr val="000000"/>
+                </a:solidFill>
+                <a:latin typeface="Times New Roman"/>
+                <a:ea typeface="DejaVu Sans"/>
+              </a:rPr>
+              <a:t>Рабочего каталога (--hard)</a:t>
+            </a:r>
+            <a:endParaRPr b="0" lang="ru-RU" sz="3200" spc="-1" strike="noStrike">
+              <a:latin typeface="Arial"/>
+            </a:endParaRPr>
+          </a:p>
+        </p:txBody>
+      </p:sp>
+      <p:pic>
+        <p:nvPicPr>
+          <p:cNvPr id="153" name="" descr=""/>
+          <p:cNvPicPr/>
           <p:nvPr/>
-        </p:nvSpPr>
-        <p:spPr>
-          <a:xfrm>
-            <a:off x="640080" y="1326600"/>
-            <a:ext cx="9068760" cy="4252680"/>
-          </a:xfrm>
-          <a:prstGeom prst="rect">
-            <a:avLst/>
-          </a:prstGeom>
-          <a:noFill/>
+        </p:nvPicPr>
+        <p:blipFill>
+          <a:blip r:embed="rId1"/>
+          <a:stretch/>
+        </p:blipFill>
+        <p:spPr>
+          <a:xfrm>
+            <a:off x="2520000" y="1027440"/>
+            <a:ext cx="5185080" cy="4549320"/>
+          </a:xfrm>
+          <a:prstGeom prst="rect">
+            <a:avLst/>
+          </a:prstGeom>
           <a:ln w="0">
             <a:noFill/>
           </a:ln>
         </p:spPr>
-        <p:style>
-          <a:lnRef idx="0"/>
-          <a:fillRef idx="0"/>
-          <a:effectRef idx="0"/>
-          <a:fontRef idx="minor"/>
-        </p:style>
-        <p:txBody>
-          <a:bodyPr lIns="0" rIns="0" tIns="0" bIns="0">
-            <a:normAutofit fontScale="80000"/>
-          </a:bodyPr>
-          <a:p>
-            <a:pPr marL="432000" indent="-321120">
-              <a:lnSpc>
-                <a:spcPct val="100000"/>
-              </a:lnSpc>
-              <a:spcBef>
-                <a:spcPts val="1417"/>
-              </a:spcBef>
-              <a:buClr>
-                <a:srgbClr val="000000"/>
-              </a:buClr>
-              <a:buSzPct val="45000"/>
-              <a:buFont typeface="Wingdings" charset="2"/>
-              <a:buChar char=""/>
-            </a:pPr>
-            <a:r>
-              <a:rPr b="0" lang="ru-RU" sz="2400" spc="-1" strike="noStrike">
-                <a:solidFill>
-                  <a:srgbClr val="000000"/>
-                </a:solidFill>
-                <a:latin typeface="Times New Roman"/>
-                <a:ea typeface="Microsoft YaHei"/>
-              </a:rPr>
-              <a:t>Изменили файл </a:t>
-            </a:r>
-            <a:r>
-              <a:rPr b="1" lang="ru-RU" sz="2400" spc="-1" strike="noStrike">
-                <a:solidFill>
-                  <a:srgbClr val="000000"/>
-                </a:solidFill>
-                <a:latin typeface="Times New Roman"/>
-                <a:ea typeface="Microsoft YaHei"/>
-              </a:rPr>
-              <a:t>test.cpp</a:t>
-            </a:r>
-            <a:r>
-              <a:rPr b="0" lang="ru-RU" sz="2400" spc="-1" strike="noStrike">
-                <a:solidFill>
-                  <a:srgbClr val="000000"/>
-                </a:solidFill>
-                <a:latin typeface="Times New Roman"/>
-                <a:ea typeface="Microsoft YaHei"/>
-              </a:rPr>
-              <a:t>.</a:t>
-            </a:r>
-            <a:r>
-              <a:rPr b="1" lang="ru-RU" sz="2400" spc="-1" strike="noStrike">
-                <a:solidFill>
-                  <a:srgbClr val="000000"/>
-                </a:solidFill>
-                <a:latin typeface="Times New Roman"/>
-                <a:ea typeface="Microsoft YaHei"/>
-              </a:rPr>
-              <a:t> </a:t>
-            </a:r>
-            <a:r>
-              <a:rPr b="0" lang="ru-RU" sz="2400" spc="-1" strike="noStrike">
-                <a:solidFill>
-                  <a:srgbClr val="000000"/>
-                </a:solidFill>
-                <a:latin typeface="Times New Roman"/>
-                <a:ea typeface="Microsoft YaHei"/>
-              </a:rPr>
-              <a:t> Отменить измения в файле:</a:t>
-            </a:r>
-            <a:endParaRPr b="0" lang="ru-RU" sz="2400" spc="-1" strike="noStrike">
-              <a:latin typeface="Arial"/>
-            </a:endParaRPr>
-          </a:p>
-          <a:p>
-            <a:pPr lvl="1" marL="864000" indent="-321120">
-              <a:lnSpc>
-                <a:spcPct val="100000"/>
-              </a:lnSpc>
-              <a:spcBef>
-                <a:spcPts val="1134"/>
-              </a:spcBef>
-              <a:buClr>
-                <a:srgbClr val="000000"/>
-              </a:buClr>
-              <a:buFont typeface="Symbol"/>
-              <a:buAutoNum type="arabicPeriod"/>
-            </a:pPr>
-            <a:r>
-              <a:rPr b="0" lang="ru-RU" sz="2400" spc="-1" strike="noStrike">
-                <a:solidFill>
-                  <a:srgbClr val="2a6099"/>
-                </a:solidFill>
-                <a:latin typeface="Linux Libertine Display G"/>
-                <a:ea typeface="Microsoft YaHei"/>
-              </a:rPr>
-              <a:t>$ git checkout -- test.cpp</a:t>
-            </a:r>
-            <a:endParaRPr b="0" lang="ru-RU" sz="2400" spc="-1" strike="noStrike">
-              <a:latin typeface="Arial"/>
-            </a:endParaRPr>
-          </a:p>
-          <a:p>
-            <a:pPr lvl="1" marL="864000" indent="-321120">
-              <a:lnSpc>
-                <a:spcPct val="100000"/>
-              </a:lnSpc>
-              <a:spcBef>
-                <a:spcPts val="1134"/>
-              </a:spcBef>
-              <a:buClr>
-                <a:srgbClr val="000000"/>
-              </a:buClr>
-              <a:buFont typeface="Symbol"/>
-              <a:buAutoNum type="arabicPeriod"/>
-            </a:pPr>
-            <a:r>
-              <a:rPr b="0" lang="ru-RU" sz="2400" spc="-1" strike="noStrike">
-                <a:solidFill>
-                  <a:srgbClr val="2a6099"/>
-                </a:solidFill>
-                <a:latin typeface="Linux Libertine Display G"/>
-                <a:ea typeface="Microsoft YaHei"/>
-              </a:rPr>
-              <a:t>$ git restore test.cpp</a:t>
-            </a:r>
-            <a:endParaRPr b="0" lang="ru-RU" sz="2400" spc="-1" strike="noStrike">
-              <a:latin typeface="Arial"/>
-            </a:endParaRPr>
-          </a:p>
-          <a:p>
-            <a:pPr marL="432000" indent="-321120">
-              <a:lnSpc>
-                <a:spcPct val="100000"/>
-              </a:lnSpc>
-              <a:spcBef>
-                <a:spcPts val="1417"/>
-              </a:spcBef>
-              <a:buClr>
-                <a:srgbClr val="000000"/>
-              </a:buClr>
-              <a:buSzPct val="45000"/>
-              <a:buFont typeface="Wingdings" charset="2"/>
-              <a:buChar char=""/>
-            </a:pPr>
-            <a:r>
-              <a:rPr b="0" lang="ru-RU" sz="2400" spc="-1" strike="noStrike">
-                <a:solidFill>
-                  <a:srgbClr val="000000"/>
-                </a:solidFill>
-                <a:latin typeface="Times New Roman"/>
-                <a:ea typeface="Microsoft YaHei"/>
-              </a:rPr>
-              <a:t>Добавили изменения в </a:t>
-            </a:r>
-            <a:r>
-              <a:rPr b="1" lang="ru-RU" sz="2400" spc="-1" strike="noStrike">
-                <a:solidFill>
-                  <a:srgbClr val="000000"/>
-                </a:solidFill>
-                <a:latin typeface="Times New Roman"/>
-                <a:ea typeface="Microsoft YaHei"/>
-              </a:rPr>
-              <a:t>stage (add)</a:t>
-            </a:r>
-            <a:r>
-              <a:rPr b="0" lang="ru-RU" sz="2400" spc="-1" strike="noStrike">
-                <a:solidFill>
-                  <a:srgbClr val="000000"/>
-                </a:solidFill>
-                <a:latin typeface="Times New Roman"/>
-                <a:ea typeface="Microsoft YaHei"/>
-              </a:rPr>
-              <a:t>.</a:t>
-            </a:r>
-            <a:r>
-              <a:rPr b="1" lang="ru-RU" sz="2400" spc="-1" strike="noStrike">
-                <a:solidFill>
-                  <a:srgbClr val="000000"/>
-                </a:solidFill>
-                <a:latin typeface="Times New Roman"/>
-                <a:ea typeface="Microsoft YaHei"/>
-              </a:rPr>
-              <a:t> </a:t>
-            </a:r>
-            <a:r>
-              <a:rPr b="0" lang="ru-RU" sz="2400" spc="-1" strike="noStrike">
-                <a:solidFill>
-                  <a:srgbClr val="000000"/>
-                </a:solidFill>
-                <a:latin typeface="Times New Roman"/>
-                <a:ea typeface="Microsoft YaHei"/>
-              </a:rPr>
-              <a:t> Убрать из </a:t>
-            </a:r>
-            <a:r>
-              <a:rPr b="1" lang="ru-RU" sz="2400" spc="-1" strike="noStrike">
-                <a:solidFill>
-                  <a:srgbClr val="000000"/>
-                </a:solidFill>
-                <a:latin typeface="Times New Roman"/>
-                <a:ea typeface="Microsoft YaHei"/>
-              </a:rPr>
-              <a:t>stage</a:t>
-            </a:r>
-            <a:r>
-              <a:rPr b="0" lang="ru-RU" sz="2400" spc="-1" strike="noStrike">
-                <a:solidFill>
-                  <a:srgbClr val="000000"/>
-                </a:solidFill>
-                <a:latin typeface="Times New Roman"/>
-                <a:ea typeface="Microsoft YaHei"/>
-              </a:rPr>
-              <a:t>::</a:t>
-            </a:r>
-            <a:endParaRPr b="0" lang="ru-RU" sz="2400" spc="-1" strike="noStrike">
-              <a:latin typeface="Arial"/>
-            </a:endParaRPr>
-          </a:p>
-          <a:p>
-            <a:pPr lvl="1" marL="864000" indent="-321120">
-              <a:lnSpc>
-                <a:spcPct val="100000"/>
-              </a:lnSpc>
-              <a:spcBef>
-                <a:spcPts val="1417"/>
-              </a:spcBef>
-              <a:buClr>
-                <a:srgbClr val="000000"/>
-              </a:buClr>
-              <a:buFont typeface="Symbol"/>
-              <a:buAutoNum type="arabicPeriod"/>
-            </a:pPr>
-            <a:r>
-              <a:rPr b="0" lang="ru-RU" sz="2400" spc="-1" strike="noStrike">
-                <a:solidFill>
-                  <a:srgbClr val="2a6099"/>
-                </a:solidFill>
-                <a:latin typeface="Linux Libertine Display G"/>
-                <a:ea typeface="Microsoft YaHei"/>
-              </a:rPr>
-              <a:t>$ git reset HEAD test.cpp</a:t>
-            </a:r>
-            <a:endParaRPr b="0" lang="ru-RU" sz="2400" spc="-1" strike="noStrike">
-              <a:latin typeface="Arial"/>
-            </a:endParaRPr>
-          </a:p>
-          <a:p>
-            <a:pPr lvl="1" marL="864000" indent="-321120">
-              <a:lnSpc>
-                <a:spcPct val="100000"/>
-              </a:lnSpc>
-              <a:spcBef>
-                <a:spcPts val="1417"/>
-              </a:spcBef>
-              <a:buClr>
-                <a:srgbClr val="000000"/>
-              </a:buClr>
-              <a:buFont typeface="Symbol"/>
-              <a:buAutoNum type="arabicPeriod"/>
-            </a:pPr>
-            <a:r>
-              <a:rPr b="0" lang="ru-RU" sz="2400" spc="-1" strike="noStrike">
-                <a:solidFill>
-                  <a:srgbClr val="2a6099"/>
-                </a:solidFill>
-                <a:latin typeface="Linux Libertine Display G"/>
-                <a:ea typeface="Microsoft YaHei"/>
-              </a:rPr>
-              <a:t>$ git restore --staged test.cpp</a:t>
-            </a:r>
-            <a:endParaRPr b="0" lang="ru-RU" sz="2400" spc="-1" strike="noStrike">
-              <a:latin typeface="Arial"/>
-            </a:endParaRPr>
-          </a:p>
-          <a:p>
-            <a:pPr marL="432000" indent="-321120">
-              <a:lnSpc>
-                <a:spcPct val="100000"/>
-              </a:lnSpc>
-              <a:spcBef>
-                <a:spcPts val="1417"/>
-              </a:spcBef>
-              <a:buClr>
-                <a:srgbClr val="000000"/>
-              </a:buClr>
-              <a:buSzPct val="45000"/>
-              <a:buFont typeface="Wingdings" charset="2"/>
-              <a:buChar char=""/>
-            </a:pPr>
-            <a:r>
-              <a:rPr b="0" lang="ru-RU" sz="2400" spc="-1" strike="noStrike">
-                <a:solidFill>
-                  <a:srgbClr val="000000"/>
-                </a:solidFill>
-                <a:latin typeface="Times New Roman"/>
-                <a:ea typeface="Microsoft YaHei"/>
-              </a:rPr>
-              <a:t>Сделали коммит в локальный репозиторий. Отменить коммит:</a:t>
-            </a:r>
-            <a:endParaRPr b="0" lang="ru-RU" sz="2400" spc="-1" strike="noStrike">
-              <a:latin typeface="Arial"/>
-            </a:endParaRPr>
-          </a:p>
-          <a:p>
-            <a:pPr lvl="1" marL="864000" indent="-321120">
-              <a:lnSpc>
-                <a:spcPct val="100000"/>
-              </a:lnSpc>
-              <a:spcBef>
-                <a:spcPts val="1134"/>
-              </a:spcBef>
-              <a:buClr>
-                <a:srgbClr val="000000"/>
-              </a:buClr>
-              <a:buSzPct val="75000"/>
-              <a:buFont typeface="Symbol"/>
-              <a:buChar char=""/>
-            </a:pPr>
-            <a:r>
-              <a:rPr b="0" lang="ru-RU" sz="2400" spc="-1" strike="noStrike">
-                <a:solidFill>
-                  <a:srgbClr val="2a6099"/>
-                </a:solidFill>
-                <a:latin typeface="Linux Libertine Display G"/>
-                <a:ea typeface="Microsoft YaHei"/>
-              </a:rPr>
-              <a:t>$ git reset --soft HEAD^1”</a:t>
-            </a:r>
-            <a:endParaRPr b="0" lang="ru-RU" sz="2400" spc="-1" strike="noStrike">
-              <a:latin typeface="Arial"/>
-            </a:endParaRPr>
-          </a:p>
-          <a:p>
-            <a:pPr marL="432000" indent="-321120">
-              <a:lnSpc>
-                <a:spcPct val="100000"/>
-              </a:lnSpc>
-              <a:spcBef>
-                <a:spcPts val="1417"/>
-              </a:spcBef>
-              <a:buClr>
-                <a:srgbClr val="000000"/>
-              </a:buClr>
-              <a:buSzPct val="45000"/>
-              <a:buFont typeface="Wingdings" charset="2"/>
-              <a:buChar char=""/>
-            </a:pPr>
-            <a:r>
-              <a:rPr b="0" lang="ru-RU" sz="2400" spc="-1" strike="noStrike">
-                <a:solidFill>
-                  <a:srgbClr val="000000"/>
-                </a:solidFill>
-                <a:latin typeface="Times New Roman"/>
-                <a:ea typeface="Microsoft YaHei"/>
-              </a:rPr>
-              <a:t>Отменить коммит и измения файлов:</a:t>
-            </a:r>
-            <a:endParaRPr b="0" lang="ru-RU" sz="2400" spc="-1" strike="noStrike">
-              <a:latin typeface="Arial"/>
-            </a:endParaRPr>
-          </a:p>
-          <a:p>
-            <a:pPr lvl="1" marL="864000" indent="-321120">
-              <a:lnSpc>
-                <a:spcPct val="100000"/>
-              </a:lnSpc>
-              <a:spcBef>
-                <a:spcPts val="1134"/>
-              </a:spcBef>
-              <a:buClr>
-                <a:srgbClr val="000000"/>
-              </a:buClr>
-              <a:buSzPct val="75000"/>
-              <a:buFont typeface="Symbol"/>
-              <a:buChar char=""/>
-            </a:pPr>
-            <a:r>
-              <a:rPr b="0" lang="ru-RU" sz="2400" spc="-1" strike="noStrike">
-                <a:solidFill>
-                  <a:srgbClr val="2a6099"/>
-                </a:solidFill>
-                <a:latin typeface="Linux Libertine Display G"/>
-                <a:ea typeface="Microsoft YaHei"/>
-              </a:rPr>
-              <a:t>$ git reset --hard HEAD^1</a:t>
-            </a:r>
-            <a:endParaRPr b="0" lang="ru-RU" sz="2400" spc="-1" strike="noStrike">
-              <a:latin typeface="Arial"/>
-            </a:endParaRPr>
-          </a:p>
-          <a:p>
-            <a:pPr>
-              <a:lnSpc>
-                <a:spcPct val="100000"/>
-              </a:lnSpc>
-              <a:spcBef>
-                <a:spcPts val="1417"/>
-              </a:spcBef>
-            </a:pPr>
-            <a:endParaRPr b="0" lang="ru-RU" sz="2400" spc="-1" strike="noStrike">
-              <a:latin typeface="Arial"/>
-            </a:endParaRPr>
-          </a:p>
-        </p:txBody>
-      </p:sp>
+      </p:pic>
     </p:spTree>
   </p:cSld>
   <mc:AlternateContent>
@@ -7141,7 +6781,7 @@
         <p:spPr>
           <a:xfrm>
             <a:off x="504000" y="226080"/>
-            <a:ext cx="9068760" cy="943560"/>
+            <a:ext cx="9066600" cy="941400"/>
           </a:xfrm>
           <a:prstGeom prst="rect">
             <a:avLst/>
@@ -7168,16 +6808,16 @@
               </a:lnSpc>
             </a:pPr>
             <a:r>
-              <a:rPr b="1" lang="en-US" sz="4400" spc="-1" strike="noStrike">
+              <a:rPr b="0" lang="en-US" sz="4400" spc="-1" strike="noStrike">
                 <a:solidFill>
                   <a:srgbClr val="000000"/>
                 </a:solidFill>
                 <a:latin typeface="Times New Roman"/>
                 <a:ea typeface="DejaVu Sans"/>
               </a:rPr>
-              <a:t>Псевдонимы в Git</a:t>
-            </a:r>
-            <a:endParaRPr b="1" lang="ru-RU" sz="4400" spc="-1" strike="noStrike">
+              <a:t>Основные операции отмены</a:t>
+            </a:r>
+            <a:endParaRPr b="0" lang="ru-RU" sz="4400" spc="-1" strike="noStrike">
               <a:latin typeface="Arial"/>
             </a:endParaRPr>
           </a:p>
@@ -7192,7 +6832,7 @@
         <p:spPr>
           <a:xfrm>
             <a:off x="640080" y="1326600"/>
-            <a:ext cx="9068760" cy="3974040"/>
+            <a:ext cx="9066600" cy="4250520"/>
           </a:xfrm>
           <a:prstGeom prst="rect">
             <a:avLst/>
@@ -7210,10 +6850,10 @@
         </p:style>
         <p:txBody>
           <a:bodyPr lIns="0" rIns="0" tIns="0" bIns="0">
-            <a:normAutofit fontScale="91000"/>
-          </a:bodyPr>
-          <a:p>
-            <a:pPr marL="432000" indent="-321120">
+            <a:normAutofit fontScale="80000"/>
+          </a:bodyPr>
+          <a:p>
+            <a:pPr marL="432000" indent="-318960">
               <a:lnSpc>
                 <a:spcPct val="100000"/>
               </a:lnSpc>
@@ -7235,14 +6875,199 @@
                 <a:latin typeface="Times New Roman"/>
                 <a:ea typeface="Microsoft YaHei"/>
               </a:rPr>
-              <a:t>Вот несколько примеров псевдонимов, которые вы, возможно, захотите задать:</a:t>
+              <a:t>Изменили файл </a:t>
+            </a:r>
+            <a:r>
+              <a:rPr b="1" lang="ru-RU" sz="2400" spc="-1" strike="noStrike">
+                <a:solidFill>
+                  <a:srgbClr val="000000"/>
+                </a:solidFill>
+                <a:latin typeface="Times New Roman"/>
+                <a:ea typeface="Microsoft YaHei"/>
+              </a:rPr>
+              <a:t>test.cpp</a:t>
+            </a:r>
+            <a:r>
+              <a:rPr b="0" lang="ru-RU" sz="2400" spc="-1" strike="noStrike">
+                <a:solidFill>
+                  <a:srgbClr val="000000"/>
+                </a:solidFill>
+                <a:latin typeface="Times New Roman"/>
+                <a:ea typeface="Microsoft YaHei"/>
+              </a:rPr>
+              <a:t>.</a:t>
+            </a:r>
+            <a:r>
+              <a:rPr b="1" lang="ru-RU" sz="2400" spc="-1" strike="noStrike">
+                <a:solidFill>
+                  <a:srgbClr val="000000"/>
+                </a:solidFill>
+                <a:latin typeface="Times New Roman"/>
+                <a:ea typeface="Microsoft YaHei"/>
+              </a:rPr>
+              <a:t> </a:t>
+            </a:r>
+            <a:r>
+              <a:rPr b="0" lang="ru-RU" sz="2400" spc="-1" strike="noStrike">
+                <a:solidFill>
+                  <a:srgbClr val="000000"/>
+                </a:solidFill>
+                <a:latin typeface="Times New Roman"/>
+                <a:ea typeface="Microsoft YaHei"/>
+              </a:rPr>
+              <a:t> Отменить измения в файле:</a:t>
             </a:r>
             <a:endParaRPr b="0" lang="ru-RU" sz="2400" spc="-1" strike="noStrike">
               <a:latin typeface="Arial"/>
             </a:endParaRPr>
           </a:p>
           <a:p>
-            <a:pPr lvl="1" marL="864000" indent="-321120">
+            <a:pPr lvl="1" marL="864000" indent="-318960">
+              <a:lnSpc>
+                <a:spcPct val="100000"/>
+              </a:lnSpc>
+              <a:spcBef>
+                <a:spcPts val="1134"/>
+              </a:spcBef>
+              <a:buClr>
+                <a:srgbClr val="000000"/>
+              </a:buClr>
+              <a:buFont typeface="Symbol"/>
+              <a:buAutoNum type="arabicPeriod"/>
+            </a:pPr>
+            <a:r>
+              <a:rPr b="0" lang="ru-RU" sz="2400" spc="-1" strike="noStrike">
+                <a:solidFill>
+                  <a:srgbClr val="2a6099"/>
+                </a:solidFill>
+                <a:latin typeface="Linux Libertine Display G"/>
+                <a:ea typeface="Microsoft YaHei"/>
+              </a:rPr>
+              <a:t>$ git checkout -- test.cpp</a:t>
+            </a:r>
+            <a:endParaRPr b="0" lang="ru-RU" sz="2400" spc="-1" strike="noStrike">
+              <a:latin typeface="Arial"/>
+            </a:endParaRPr>
+          </a:p>
+          <a:p>
+            <a:pPr lvl="1" marL="864000" indent="-318960">
+              <a:lnSpc>
+                <a:spcPct val="100000"/>
+              </a:lnSpc>
+              <a:spcBef>
+                <a:spcPts val="1134"/>
+              </a:spcBef>
+              <a:buClr>
+                <a:srgbClr val="000000"/>
+              </a:buClr>
+              <a:buFont typeface="Symbol"/>
+              <a:buAutoNum type="arabicPeriod"/>
+            </a:pPr>
+            <a:r>
+              <a:rPr b="0" lang="ru-RU" sz="2400" spc="-1" strike="noStrike">
+                <a:solidFill>
+                  <a:srgbClr val="2a6099"/>
+                </a:solidFill>
+                <a:latin typeface="Linux Libertine Display G"/>
+                <a:ea typeface="Microsoft YaHei"/>
+              </a:rPr>
+              <a:t>$ git restore test.cpp</a:t>
+            </a:r>
+            <a:endParaRPr b="0" lang="ru-RU" sz="2400" spc="-1" strike="noStrike">
+              <a:latin typeface="Arial"/>
+            </a:endParaRPr>
+          </a:p>
+          <a:p>
+            <a:pPr marL="432000" indent="-318960">
+              <a:lnSpc>
+                <a:spcPct val="100000"/>
+              </a:lnSpc>
+              <a:spcBef>
+                <a:spcPts val="1417"/>
+              </a:spcBef>
+              <a:buClr>
+                <a:srgbClr val="000000"/>
+              </a:buClr>
+              <a:buSzPct val="45000"/>
+              <a:buFont typeface="Wingdings" charset="2"/>
+              <a:buChar char=""/>
+            </a:pPr>
+            <a:r>
+              <a:rPr b="0" lang="ru-RU" sz="2400" spc="-1" strike="noStrike">
+                <a:solidFill>
+                  <a:srgbClr val="000000"/>
+                </a:solidFill>
+                <a:latin typeface="Times New Roman"/>
+                <a:ea typeface="Microsoft YaHei"/>
+              </a:rPr>
+              <a:t>Добавили изменения в </a:t>
+            </a:r>
+            <a:r>
+              <a:rPr b="1" lang="ru-RU" sz="2400" spc="-1" strike="noStrike">
+                <a:solidFill>
+                  <a:srgbClr val="000000"/>
+                </a:solidFill>
+                <a:latin typeface="Times New Roman"/>
+                <a:ea typeface="Microsoft YaHei"/>
+              </a:rPr>
+              <a:t>stage (add)</a:t>
+            </a:r>
+            <a:r>
+              <a:rPr b="0" lang="ru-RU" sz="2400" spc="-1" strike="noStrike">
+                <a:solidFill>
+                  <a:srgbClr val="000000"/>
+                </a:solidFill>
+                <a:latin typeface="Times New Roman"/>
+                <a:ea typeface="Microsoft YaHei"/>
+              </a:rPr>
+              <a:t>.</a:t>
+            </a:r>
+            <a:r>
+              <a:rPr b="1" lang="ru-RU" sz="2400" spc="-1" strike="noStrike">
+                <a:solidFill>
+                  <a:srgbClr val="000000"/>
+                </a:solidFill>
+                <a:latin typeface="Times New Roman"/>
+                <a:ea typeface="Microsoft YaHei"/>
+              </a:rPr>
+              <a:t> </a:t>
+            </a:r>
+            <a:r>
+              <a:rPr b="0" lang="ru-RU" sz="2400" spc="-1" strike="noStrike">
+                <a:solidFill>
+                  <a:srgbClr val="000000"/>
+                </a:solidFill>
+                <a:latin typeface="Times New Roman"/>
+                <a:ea typeface="Microsoft YaHei"/>
+              </a:rPr>
+              <a:t> Убрать из </a:t>
+            </a:r>
+            <a:r>
+              <a:rPr b="1" lang="ru-RU" sz="2400" spc="-1" strike="noStrike">
+                <a:solidFill>
+                  <a:srgbClr val="000000"/>
+                </a:solidFill>
+                <a:latin typeface="Times New Roman"/>
+                <a:ea typeface="Microsoft YaHei"/>
+              </a:rPr>
+              <a:t>stage</a:t>
+            </a:r>
+            <a:r>
+              <a:rPr b="0" lang="ru-RU" sz="2400" spc="-1" strike="noStrike">
+                <a:solidFill>
+                  <a:srgbClr val="000000"/>
+                </a:solidFill>
+                <a:latin typeface="Times New Roman"/>
+                <a:ea typeface="Microsoft YaHei"/>
+              </a:rPr>
+              <a:t>::</a:t>
+            </a:r>
+            <a:endParaRPr b="0" lang="ru-RU" sz="2400" spc="-1" strike="noStrike">
+              <a:latin typeface="Arial"/>
+            </a:endParaRPr>
+          </a:p>
+          <a:p>
+            <a:pPr lvl="1" marL="864000" indent="-318960">
               <a:lnSpc>
                 <a:spcPct val="100000"/>
               </a:lnSpc>
@@ -7263,14 +7088,14 @@
                 <a:latin typeface="Linux Libertine Display G"/>
                 <a:ea typeface="Microsoft YaHei"/>
               </a:rPr>
-              <a:t>$ git config --global alias.st status</a:t>
+              <a:t>$ git reset HEAD test.cpp</a:t>
             </a:r>
             <a:endParaRPr b="0" lang="ru-RU" sz="2400" spc="-1" strike="noStrike">
               <a:latin typeface="Arial"/>
             </a:endParaRPr>
           </a:p>
           <a:p>
-            <a:pPr lvl="1" marL="864000" indent="-321120">
+            <a:pPr lvl="1" marL="864000" indent="-318960">
               <a:lnSpc>
                 <a:spcPct val="100000"/>
               </a:lnSpc>
@@ -7291,14 +7116,284 @@
                 <a:latin typeface="Linux Libertine Display G"/>
                 <a:ea typeface="Microsoft YaHei"/>
               </a:rPr>
-              <a:t>$ git config --global alias.co checkout</a:t>
+              <a:t>$ git restore --staged test.cpp</a:t>
             </a:r>
             <a:endParaRPr b="0" lang="ru-RU" sz="2400" spc="-1" strike="noStrike">
               <a:latin typeface="Arial"/>
             </a:endParaRPr>
           </a:p>
           <a:p>
-            <a:pPr lvl="1" marL="864000" indent="-321120">
+            <a:pPr marL="432000" indent="-318960">
+              <a:lnSpc>
+                <a:spcPct val="100000"/>
+              </a:lnSpc>
+              <a:spcBef>
+                <a:spcPts val="1417"/>
+              </a:spcBef>
+              <a:buClr>
+                <a:srgbClr val="000000"/>
+              </a:buClr>
+              <a:buSzPct val="45000"/>
+              <a:buFont typeface="Wingdings" charset="2"/>
+              <a:buChar char=""/>
+            </a:pPr>
+            <a:r>
+              <a:rPr b="0" lang="ru-RU" sz="2400" spc="-1" strike="noStrike">
+                <a:solidFill>
+                  <a:srgbClr val="000000"/>
+                </a:solidFill>
+                <a:latin typeface="Times New Roman"/>
+                <a:ea typeface="Microsoft YaHei"/>
+              </a:rPr>
+              <a:t>Сделали коммит в локальный репозиторий. Отменить коммит:</a:t>
+            </a:r>
+            <a:endParaRPr b="0" lang="ru-RU" sz="2400" spc="-1" strike="noStrike">
+              <a:latin typeface="Arial"/>
+            </a:endParaRPr>
+          </a:p>
+          <a:p>
+            <a:pPr lvl="1" marL="864000" indent="-318960">
+              <a:lnSpc>
+                <a:spcPct val="100000"/>
+              </a:lnSpc>
+              <a:spcBef>
+                <a:spcPts val="1134"/>
+              </a:spcBef>
+              <a:buClr>
+                <a:srgbClr val="000000"/>
+              </a:buClr>
+              <a:buSzPct val="75000"/>
+              <a:buFont typeface="Symbol"/>
+              <a:buChar char=""/>
+            </a:pPr>
+            <a:r>
+              <a:rPr b="0" lang="ru-RU" sz="2400" spc="-1" strike="noStrike">
+                <a:solidFill>
+                  <a:srgbClr val="2a6099"/>
+                </a:solidFill>
+                <a:latin typeface="Linux Libertine Display G"/>
+                <a:ea typeface="Microsoft YaHei"/>
+              </a:rPr>
+              <a:t>$ git reset --soft HEAD^1”</a:t>
+            </a:r>
+            <a:endParaRPr b="0" lang="ru-RU" sz="2400" spc="-1" strike="noStrike">
+              <a:latin typeface="Arial"/>
+            </a:endParaRPr>
+          </a:p>
+          <a:p>
+            <a:pPr marL="432000" indent="-318960">
+              <a:lnSpc>
+                <a:spcPct val="100000"/>
+              </a:lnSpc>
+              <a:spcBef>
+                <a:spcPts val="1417"/>
+              </a:spcBef>
+              <a:buClr>
+                <a:srgbClr val="000000"/>
+              </a:buClr>
+              <a:buSzPct val="45000"/>
+              <a:buFont typeface="Wingdings" charset="2"/>
+              <a:buChar char=""/>
+            </a:pPr>
+            <a:r>
+              <a:rPr b="0" lang="ru-RU" sz="2400" spc="-1" strike="noStrike">
+                <a:solidFill>
+                  <a:srgbClr val="000000"/>
+                </a:solidFill>
+                <a:latin typeface="Times New Roman"/>
+                <a:ea typeface="Microsoft YaHei"/>
+              </a:rPr>
+              <a:t>Отменить коммит и измения файлов:</a:t>
+            </a:r>
+            <a:endParaRPr b="0" lang="ru-RU" sz="2400" spc="-1" strike="noStrike">
+              <a:latin typeface="Arial"/>
+            </a:endParaRPr>
+          </a:p>
+          <a:p>
+            <a:pPr lvl="1" marL="864000" indent="-318960">
+              <a:lnSpc>
+                <a:spcPct val="100000"/>
+              </a:lnSpc>
+              <a:spcBef>
+                <a:spcPts val="1134"/>
+              </a:spcBef>
+              <a:buClr>
+                <a:srgbClr val="000000"/>
+              </a:buClr>
+              <a:buSzPct val="75000"/>
+              <a:buFont typeface="Symbol"/>
+              <a:buChar char=""/>
+            </a:pPr>
+            <a:r>
+              <a:rPr b="0" lang="ru-RU" sz="2400" spc="-1" strike="noStrike">
+                <a:solidFill>
+                  <a:srgbClr val="2a6099"/>
+                </a:solidFill>
+                <a:latin typeface="Linux Libertine Display G"/>
+                <a:ea typeface="Microsoft YaHei"/>
+              </a:rPr>
+              <a:t>$ git reset --hard HEAD^1</a:t>
+            </a:r>
+            <a:endParaRPr b="0" lang="ru-RU" sz="2400" spc="-1" strike="noStrike">
+              <a:latin typeface="Arial"/>
+            </a:endParaRPr>
+          </a:p>
+          <a:p>
+            <a:pPr>
+              <a:lnSpc>
+                <a:spcPct val="100000"/>
+              </a:lnSpc>
+              <a:spcBef>
+                <a:spcPts val="1417"/>
+              </a:spcBef>
+            </a:pPr>
+            <a:endParaRPr b="0" lang="ru-RU" sz="2400" spc="-1" strike="noStrike">
+              <a:latin typeface="Arial"/>
+            </a:endParaRPr>
+          </a:p>
+        </p:txBody>
+      </p:sp>
+    </p:spTree>
+  </p:cSld>
+  <mc:AlternateContent>
+    <mc:Choice Requires="p14">
+      <p:transition spd="slow" p14:dur="2000"/>
+    </mc:Choice>
+    <mc:Fallback>
+      <p:transition spd="slow"/>
+    </mc:Fallback>
+  </mc:AlternateContent>
+</p:sld>
+</file>
+
+<file path=ppt/slides/slide22.xml><?xml version="1.0" encoding="utf-8"?>
+<p:sld xmlns:a="http://schemas.openxmlformats.org/drawingml/2006/main" xmlns:p="http://schemas.openxmlformats.org/presentationml/2006/main" xmlns:r="http://schemas.openxmlformats.org/officeDocument/2006/relationships" xmlns:p14="http://schemas.microsoft.com/office/powerpoint/2010/main" xmlns:p15="http://schemas.microsoft.com/office/powerpoint/2012/main" xmlns:mc="http://schemas.openxmlformats.org/markup-compatibility/2006">
+  <p:cSld>
+    <p:spTree>
+      <p:nvGrpSpPr>
+        <p:cNvPr id="1" name=""/>
+        <p:cNvGrpSpPr/>
+        <p:nvPr/>
+      </p:nvGrpSpPr>
+      <p:grpSpPr>
+        <a:xfrm>
+          <a:off x="0" y="0"/>
+          <a:ext cx="0" cy="0"/>
+          <a:chOff x="0" y="0"/>
+          <a:chExt cx="0" cy="0"/>
+        </a:xfrm>
+      </p:grpSpPr>
+      <p:sp>
+        <p:nvSpPr>
+          <p:cNvPr id="156" name="CustomShape 1"/>
+          <p:cNvSpPr/>
+          <p:nvPr/>
+        </p:nvSpPr>
+        <p:spPr>
+          <a:xfrm>
+            <a:off x="504000" y="226080"/>
+            <a:ext cx="9066600" cy="941400"/>
+          </a:xfrm>
+          <a:prstGeom prst="rect">
+            <a:avLst/>
+          </a:prstGeom>
+          <a:noFill/>
+          <a:ln w="0">
+            <a:noFill/>
+          </a:ln>
+        </p:spPr>
+        <p:style>
+          <a:lnRef idx="0"/>
+          <a:fillRef idx="0"/>
+          <a:effectRef idx="0"/>
+          <a:fontRef idx="minor"/>
+        </p:style>
+        <p:txBody>
+          <a:bodyPr lIns="0" rIns="0" tIns="0" bIns="0" anchor="ctr">
+            <a:noAutofit/>
+          </a:bodyPr>
+          <a:p>
+            <a:pPr algn="ctr">
+              <a:lnSpc>
+                <a:spcPct val="100000"/>
+              </a:lnSpc>
+            </a:pPr>
+            <a:r>
+              <a:rPr b="1" lang="en-US" sz="4400" spc="-1" strike="noStrike">
+                <a:solidFill>
+                  <a:srgbClr val="000000"/>
+                </a:solidFill>
+                <a:latin typeface="Times New Roman"/>
+                <a:ea typeface="DejaVu Sans"/>
+              </a:rPr>
+              <a:t>Псевдонимы в Git</a:t>
+            </a:r>
+            <a:endParaRPr b="0" lang="ru-RU" sz="4400" spc="-1" strike="noStrike">
+              <a:latin typeface="Arial"/>
+            </a:endParaRPr>
+          </a:p>
+        </p:txBody>
+      </p:sp>
+      <p:sp>
+        <p:nvSpPr>
+          <p:cNvPr id="157" name="CustomShape 2"/>
+          <p:cNvSpPr/>
+          <p:nvPr/>
+        </p:nvSpPr>
+        <p:spPr>
+          <a:xfrm>
+            <a:off x="640080" y="1326600"/>
+            <a:ext cx="9066600" cy="3971880"/>
+          </a:xfrm>
+          <a:prstGeom prst="rect">
+            <a:avLst/>
+          </a:prstGeom>
+          <a:noFill/>
+          <a:ln w="0">
+            <a:noFill/>
+          </a:ln>
+        </p:spPr>
+        <p:style>
+          <a:lnRef idx="0"/>
+          <a:fillRef idx="0"/>
+          <a:effectRef idx="0"/>
+          <a:fontRef idx="minor"/>
+        </p:style>
+        <p:txBody>
+          <a:bodyPr lIns="0" rIns="0" tIns="0" bIns="0">
+            <a:normAutofit fontScale="91000"/>
+          </a:bodyPr>
+          <a:p>
+            <a:pPr marL="432000" indent="-318960">
+              <a:lnSpc>
+                <a:spcPct val="100000"/>
+              </a:lnSpc>
+              <a:spcBef>
+                <a:spcPts val="1417"/>
+              </a:spcBef>
+              <a:buClr>
+                <a:srgbClr val="000000"/>
+              </a:buClr>
+              <a:buSzPct val="45000"/>
+              <a:buFont typeface="Wingdings" charset="2"/>
+              <a:buChar char=""/>
+            </a:pPr>
+            <a:r>
+              <a:rPr b="0" lang="ru-RU" sz="2400" spc="-1" strike="noStrike">
+                <a:solidFill>
+                  <a:srgbClr val="000000"/>
+                </a:solidFill>
+                <a:latin typeface="Times New Roman"/>
+                <a:ea typeface="Microsoft YaHei"/>
+              </a:rPr>
+              <a:t>Вот несколько примеров псевдонимов, которые вы, возможно, захотите задать:</a:t>
+            </a:r>
+            <a:endParaRPr b="0" lang="ru-RU" sz="2400" spc="-1" strike="noStrike">
+              <a:latin typeface="Arial"/>
+            </a:endParaRPr>
+          </a:p>
+          <a:p>
+            <a:pPr lvl="1" marL="864000" indent="-318960">
               <a:lnSpc>
                 <a:spcPct val="100000"/>
               </a:lnSpc>
@@ -7319,14 +7414,14 @@
                 <a:latin typeface="Linux Libertine Display G"/>
                 <a:ea typeface="Microsoft YaHei"/>
               </a:rPr>
-              <a:t>$ git config --global alias.ci commit</a:t>
+              <a:t>$ git config --global alias.st status</a:t>
             </a:r>
             <a:endParaRPr b="0" lang="ru-RU" sz="2400" spc="-1" strike="noStrike">
               <a:latin typeface="Arial"/>
             </a:endParaRPr>
           </a:p>
           <a:p>
-            <a:pPr lvl="1" marL="864000" indent="-321120">
+            <a:pPr lvl="1" marL="864000" indent="-318960">
               <a:lnSpc>
                 <a:spcPct val="100000"/>
               </a:lnSpc>
@@ -7347,14 +7442,14 @@
                 <a:latin typeface="Linux Libertine Display G"/>
                 <a:ea typeface="Microsoft YaHei"/>
               </a:rPr>
-              <a:t>$ git config --global alias.br branch</a:t>
+              <a:t>$ git config --global alias.co checkout</a:t>
             </a:r>
             <a:endParaRPr b="0" lang="ru-RU" sz="2400" spc="-1" strike="noStrike">
               <a:latin typeface="Arial"/>
             </a:endParaRPr>
           </a:p>
           <a:p>
-            <a:pPr lvl="1" marL="864000" indent="-321120">
+            <a:pPr lvl="1" marL="864000" indent="-318960">
               <a:lnSpc>
                 <a:spcPct val="100000"/>
               </a:lnSpc>
@@ -7375,6 +7470,62 @@
                 <a:latin typeface="Linux Libertine Display G"/>
                 <a:ea typeface="Microsoft YaHei"/>
               </a:rPr>
+              <a:t>$ git config --global alias.ci commit</a:t>
+            </a:r>
+            <a:endParaRPr b="0" lang="ru-RU" sz="2400" spc="-1" strike="noStrike">
+              <a:latin typeface="Arial"/>
+            </a:endParaRPr>
+          </a:p>
+          <a:p>
+            <a:pPr lvl="1" marL="864000" indent="-318960">
+              <a:lnSpc>
+                <a:spcPct val="100000"/>
+              </a:lnSpc>
+              <a:spcBef>
+                <a:spcPts val="1417"/>
+              </a:spcBef>
+              <a:buClr>
+                <a:srgbClr val="000000"/>
+              </a:buClr>
+              <a:buFont typeface="Symbol"/>
+              <a:buAutoNum type="arabicPeriod"/>
+            </a:pPr>
+            <a:r>
+              <a:rPr b="0" lang="ru-RU" sz="2400" spc="-1" strike="noStrike">
+                <a:solidFill>
+                  <a:srgbClr val="2a6099"/>
+                </a:solidFill>
+                <a:latin typeface="Linux Libertine Display G"/>
+                <a:ea typeface="Microsoft YaHei"/>
+              </a:rPr>
+              <a:t>$ git config --global alias.br branch</a:t>
+            </a:r>
+            <a:endParaRPr b="0" lang="ru-RU" sz="2400" spc="-1" strike="noStrike">
+              <a:latin typeface="Arial"/>
+            </a:endParaRPr>
+          </a:p>
+          <a:p>
+            <a:pPr lvl="1" marL="864000" indent="-318960">
+              <a:lnSpc>
+                <a:spcPct val="100000"/>
+              </a:lnSpc>
+              <a:spcBef>
+                <a:spcPts val="1417"/>
+              </a:spcBef>
+              <a:buClr>
+                <a:srgbClr val="000000"/>
+              </a:buClr>
+              <a:buFont typeface="Symbol"/>
+              <a:buAutoNum type="arabicPeriod"/>
+            </a:pPr>
+            <a:r>
+              <a:rPr b="0" lang="ru-RU" sz="2400" spc="-1" strike="noStrike">
+                <a:solidFill>
+                  <a:srgbClr val="2a6099"/>
+                </a:solidFill>
+                <a:latin typeface="Linux Libertine Display G"/>
+                <a:ea typeface="Microsoft YaHei"/>
+              </a:rPr>
               <a:t>$ git config --global alias.unstage 'reset HEAD –'</a:t>
             </a:r>
             <a:endParaRPr b="0" lang="ru-RU" sz="2400" spc="-1" strike="noStrike">
@@ -7382,7 +7533,7 @@
             </a:endParaRPr>
           </a:p>
           <a:p>
-            <a:pPr lvl="1" marL="864000" indent="-321120">
+            <a:pPr lvl="1" marL="864000" indent="-318960">
               <a:lnSpc>
                 <a:spcPct val="100000"/>
               </a:lnSpc>
@@ -7450,7 +7601,7 @@
         <p:spPr>
           <a:xfrm>
             <a:off x="504000" y="226080"/>
-            <a:ext cx="9068760" cy="943560"/>
+            <a:ext cx="9066600" cy="941400"/>
           </a:xfrm>
           <a:prstGeom prst="rect">
             <a:avLst/>
@@ -7501,7 +7652,7 @@
         <p:spPr>
           <a:xfrm>
             <a:off x="504000" y="1326600"/>
-            <a:ext cx="9068760" cy="3285360"/>
+            <a:ext cx="9066600" cy="3283200"/>
           </a:xfrm>
           <a:prstGeom prst="rect">
             <a:avLst/>
@@ -7522,7 +7673,7 @@
             <a:normAutofit fontScale="75000"/>
           </a:bodyPr>
           <a:p>
-            <a:pPr marL="432000" indent="-321120">
+            <a:pPr marL="432000" indent="-318960">
               <a:lnSpc>
                 <a:spcPct val="100000"/>
               </a:lnSpc>
@@ -7551,7 +7702,7 @@
             </a:endParaRPr>
           </a:p>
           <a:p>
-            <a:pPr lvl="1" marL="864000" indent="-321120">
+            <a:pPr lvl="1" marL="864000" indent="-318960">
               <a:lnSpc>
                 <a:spcPct val="100000"/>
               </a:lnSpc>
@@ -7580,7 +7731,7 @@
             </a:endParaRPr>
           </a:p>
           <a:p>
-            <a:pPr marL="432000" indent="-321120">
+            <a:pPr marL="432000" indent="-318960">
               <a:lnSpc>
                 <a:spcPct val="100000"/>
               </a:lnSpc>
@@ -7609,7 +7760,7 @@
             </a:endParaRPr>
           </a:p>
           <a:p>
-            <a:pPr lvl="1" marL="864000" indent="-321120">
+            <a:pPr lvl="1" marL="864000" indent="-318960">
               <a:lnSpc>
                 <a:spcPct val="100000"/>
               </a:lnSpc>
@@ -7638,7 +7789,7 @@
             </a:endParaRPr>
           </a:p>
           <a:p>
-            <a:pPr marL="432000" indent="-321120">
+            <a:pPr marL="432000" indent="-318960">
               <a:lnSpc>
                 <a:spcPct val="100000"/>
               </a:lnSpc>
@@ -7667,7 +7818,7 @@
             </a:endParaRPr>
           </a:p>
           <a:p>
-            <a:pPr lvl="1" marL="864000" indent="-321120">
+            <a:pPr lvl="1" marL="864000" indent="-318960">
               <a:lnSpc>
                 <a:spcPct val="100000"/>
               </a:lnSpc>
@@ -7696,7 +7847,7 @@
             </a:endParaRPr>
           </a:p>
           <a:p>
-            <a:pPr marL="432000" indent="-321120">
+            <a:pPr marL="432000" indent="-318960">
               <a:lnSpc>
                 <a:spcPct val="100000"/>
               </a:lnSpc>
@@ -7725,7 +7876,7 @@
             </a:endParaRPr>
           </a:p>
           <a:p>
-            <a:pPr lvl="1" marL="864000" indent="-321120">
+            <a:pPr lvl="1" marL="864000" indent="-318960">
               <a:lnSpc>
                 <a:spcPct val="100000"/>
               </a:lnSpc>
@@ -7794,7 +7945,7 @@
         <p:spPr>
           <a:xfrm>
             <a:off x="504000" y="226080"/>
-            <a:ext cx="9068760" cy="943560"/>
+            <a:ext cx="9066600" cy="941400"/>
           </a:xfrm>
           <a:prstGeom prst="rect">
             <a:avLst/>
@@ -7821,16 +7972,16 @@
               </a:lnSpc>
             </a:pPr>
             <a:r>
-              <a:rPr b="1" lang="en-US" sz="4400" spc="-1" strike="noStrike">
+              <a:rPr b="0" lang="en-US" sz="4400" spc="-1" strike="noStrike">
                 <a:solidFill>
                   <a:srgbClr val="000000"/>
                 </a:solidFill>
                 <a:latin typeface="Times New Roman"/>
                 <a:ea typeface="DejaVu Sans"/>
               </a:rPr>
-              <a:t>Операции отмены</a:t>
-            </a:r>
-            <a:endParaRPr b="1" lang="ru-RU" sz="4400" spc="-1" strike="noStrike">
+              <a:t>Удаление и перемещение</a:t>
+            </a:r>
+            <a:endParaRPr b="0" lang="ru-RU" sz="4400" spc="-1" strike="noStrike">
               <a:latin typeface="Arial"/>
             </a:endParaRPr>
           </a:p>
@@ -7844,8 +7995,8 @@
         </p:nvSpPr>
         <p:spPr>
           <a:xfrm>
-            <a:off x="640080" y="1326600"/>
-            <a:ext cx="9068760" cy="3974040"/>
+            <a:off x="504000" y="1326600"/>
+            <a:ext cx="9066600" cy="3283200"/>
           </a:xfrm>
           <a:prstGeom prst="rect">
             <a:avLst/>
@@ -7863,10 +8014,10 @@
         </p:style>
         <p:txBody>
           <a:bodyPr lIns="0" rIns="0" tIns="0" bIns="0">
-            <a:normAutofit fontScale="83000"/>
-          </a:bodyPr>
-          <a:p>
-            <a:pPr marL="432000" indent="-321120">
+            <a:normAutofit fontScale="97000"/>
+          </a:bodyPr>
+          <a:p>
+            <a:pPr marL="432000" indent="-318960">
               <a:lnSpc>
                 <a:spcPct val="100000"/>
               </a:lnSpc>
@@ -7888,14 +8039,14 @@
                 <a:latin typeface="Times New Roman"/>
                 <a:ea typeface="DejaVu Sans"/>
               </a:rPr>
-              <a:t>Если вы хотите переделать коммит — внесите необходимые изменения, добавьте их в индекс и сделайте коммит ещё раз, указав параметр --amend:</a:t>
+              <a:t>Удаление файлов:</a:t>
             </a:r>
             <a:endParaRPr b="0" lang="ru-RU" sz="2400" spc="-1" strike="noStrike">
               <a:latin typeface="Arial"/>
             </a:endParaRPr>
           </a:p>
           <a:p>
-            <a:pPr lvl="1" marL="864000" indent="-321120">
+            <a:pPr lvl="1" marL="864000" indent="-318960">
               <a:lnSpc>
                 <a:spcPct val="100000"/>
               </a:lnSpc>
@@ -7917,14 +8068,161 @@
                 <a:latin typeface="Linux Libertine Display G"/>
                 <a:ea typeface="DejaVu Sans"/>
               </a:rPr>
-              <a:t>$ git commit --amend</a:t>
+              <a:t>$ git rm &lt;file&gt;                   </a:t>
+            </a:r>
+            <a:r>
+              <a:rPr b="0" lang="ru-RU" sz="2400" spc="-1" strike="noStrike">
+                <a:solidFill>
+                  <a:srgbClr val="000000"/>
+                </a:solidFill>
+                <a:latin typeface="Times New Roman"/>
+                <a:ea typeface="DejaVu Sans"/>
+              </a:rPr>
+              <a:t>удаление файла</a:t>
             </a:r>
             <a:endParaRPr b="0" lang="ru-RU" sz="2400" spc="-1" strike="noStrike">
               <a:latin typeface="Arial"/>
             </a:endParaRPr>
           </a:p>
           <a:p>
-            <a:pPr marL="432000" indent="-321120">
+            <a:pPr lvl="1" marL="864000" indent="-318960">
+              <a:lnSpc>
+                <a:spcPct val="100000"/>
+              </a:lnSpc>
+              <a:spcBef>
+                <a:spcPts val="1134"/>
+              </a:spcBef>
+              <a:buClr>
+                <a:srgbClr val="000000"/>
+              </a:buClr>
+              <a:buSzPct val="75000"/>
+              <a:buFont typeface="Symbol"/>
+              <a:buChar char=""/>
+            </a:pPr>
+            <a:r>
+              <a:rPr b="0" lang="ru-RU" sz="2400" spc="-1" strike="noStrike">
+                <a:solidFill>
+                  <a:srgbClr val="2a6099"/>
+                </a:solidFill>
+                <a:latin typeface="Linux Libertine Display G"/>
+                <a:ea typeface="DejaVu Sans"/>
+              </a:rPr>
+              <a:t>$ git rm -r &lt;directory&gt; </a:t>
+            </a:r>
+            <a:r>
+              <a:rPr b="0" lang="ru-RU" sz="2400" spc="-1" strike="noStrike">
+                <a:solidFill>
+                  <a:srgbClr val="2a6099"/>
+                </a:solidFill>
+                <a:latin typeface="Linux Libertine Display G"/>
+                <a:ea typeface="DejaVu Sans"/>
+              </a:rPr>
+              <a:t>	</a:t>
+            </a:r>
+            <a:r>
+              <a:rPr b="0" lang="ru-RU" sz="2400" spc="-1" strike="noStrike">
+                <a:solidFill>
+                  <a:srgbClr val="000000"/>
+                </a:solidFill>
+                <a:latin typeface="Linux Libertine Display G"/>
+                <a:ea typeface="DejaVu Sans"/>
+              </a:rPr>
+              <a:t>	</a:t>
+            </a:r>
+            <a:r>
+              <a:rPr b="0" lang="ru-RU" sz="2400" spc="-1" strike="noStrike">
+                <a:solidFill>
+                  <a:srgbClr val="000000"/>
+                </a:solidFill>
+                <a:latin typeface="Times New Roman"/>
+                <a:ea typeface="DejaVu Sans"/>
+              </a:rPr>
+              <a:t>удаление папки</a:t>
+            </a:r>
+            <a:endParaRPr b="0" lang="ru-RU" sz="2400" spc="-1" strike="noStrike">
+              <a:latin typeface="Arial"/>
+            </a:endParaRPr>
+          </a:p>
+          <a:p>
+            <a:pPr lvl="1" marL="864000" indent="-318960">
+              <a:lnSpc>
+                <a:spcPct val="100000"/>
+              </a:lnSpc>
+              <a:spcBef>
+                <a:spcPts val="1134"/>
+              </a:spcBef>
+              <a:buClr>
+                <a:srgbClr val="000000"/>
+              </a:buClr>
+              <a:buSzPct val="75000"/>
+              <a:buFont typeface="Symbol"/>
+              <a:buChar char=""/>
+            </a:pPr>
+            <a:r>
+              <a:rPr b="0" lang="ru-RU" sz="2400" spc="-1" strike="noStrike">
+                <a:solidFill>
+                  <a:srgbClr val="2a6099"/>
+                </a:solidFill>
+                <a:latin typeface="Linux Libertine Display G"/>
+                <a:ea typeface="DejaVu Sans"/>
+              </a:rPr>
+              <a:t>$ git rm -f &lt;file&gt;               </a:t>
+            </a:r>
+            <a:r>
+              <a:rPr b="0" lang="ru-RU" sz="2400" spc="-1" strike="noStrike">
+                <a:solidFill>
+                  <a:srgbClr val="000000"/>
+                </a:solidFill>
+                <a:latin typeface="Times New Roman"/>
+                <a:ea typeface="DejaVu Sans"/>
+              </a:rPr>
+              <a:t>принудительное удаление</a:t>
+            </a:r>
+            <a:endParaRPr b="0" lang="ru-RU" sz="2400" spc="-1" strike="noStrike">
+              <a:latin typeface="Arial"/>
+            </a:endParaRPr>
+          </a:p>
+          <a:p>
+            <a:pPr lvl="1" marL="864000" indent="-318960">
+              <a:lnSpc>
+                <a:spcPct val="100000"/>
+              </a:lnSpc>
+              <a:spcBef>
+                <a:spcPts val="1134"/>
+              </a:spcBef>
+              <a:buClr>
+                <a:srgbClr val="000000"/>
+              </a:buClr>
+              <a:buSzPct val="75000"/>
+              <a:buFont typeface="Symbol"/>
+              <a:buChar char=""/>
+            </a:pPr>
+            <a:r>
+              <a:rPr b="0" lang="ru-RU" sz="2400" spc="-1" strike="noStrike">
+                <a:solidFill>
+                  <a:srgbClr val="2a6099"/>
+                </a:solidFill>
+                <a:latin typeface="Linux Libertine Display G"/>
+                <a:ea typeface="DejaVu Sans"/>
+              </a:rPr>
+              <a:t>$ git rm --cached &lt;file&gt;    </a:t>
+            </a:r>
+            <a:r>
+              <a:rPr b="0" lang="ru-RU" sz="2400" spc="-1" strike="noStrike">
+                <a:solidFill>
+                  <a:srgbClr val="000000"/>
+                </a:solidFill>
+                <a:latin typeface="Times New Roman"/>
+                <a:ea typeface="DejaVu Sans"/>
+              </a:rPr>
+              <a:t>удаление из индекса (stage)</a:t>
+            </a:r>
+            <a:endParaRPr b="0" lang="ru-RU" sz="2400" spc="-1" strike="noStrike">
+              <a:latin typeface="Arial"/>
+            </a:endParaRPr>
+          </a:p>
+          <a:p>
+            <a:pPr marL="432000" indent="-318960">
               <a:lnSpc>
                 <a:spcPct val="100000"/>
               </a:lnSpc>
@@ -7944,18 +8242,18 @@
                   <a:srgbClr val="000000"/>
                 </a:solidFill>
                 <a:latin typeface="Times New Roman"/>
-                <a:ea typeface="Microsoft YaHei"/>
-              </a:rPr>
-              <a:t>Например, если вы сделали коммит и поняли, что забыли проиндексировать изменения в файле, который хотели добавить в коммит, то можно сделать следующее:</a:t>
+                <a:ea typeface="DejaVu Sans"/>
+              </a:rPr>
+              <a:t>Перемещение</a:t>
             </a:r>
             <a:endParaRPr b="0" lang="ru-RU" sz="2400" spc="-1" strike="noStrike">
               <a:latin typeface="Arial"/>
             </a:endParaRPr>
           </a:p>
           <a:p>
-            <a:pPr lvl="1" marL="864000" indent="-321120">
+            <a:pPr lvl="1" marL="864000" indent="-318960">
               <a:lnSpc>
-                <a:spcPts val="964"/>
+                <a:spcPct val="100000"/>
               </a:lnSpc>
               <a:spcBef>
                 <a:spcPts val="1417"/>
@@ -7973,100 +8271,9 @@
                   <a:srgbClr val="2a6099"/>
                 </a:solidFill>
                 <a:latin typeface="Linux Libertine Display G"/>
-                <a:ea typeface="Microsoft YaHei"/>
-              </a:rPr>
-              <a:t>$ git commit -m 'initial commit'</a:t>
-            </a:r>
-            <a:endParaRPr b="0" lang="ru-RU" sz="2400" spc="-1" strike="noStrike">
-              <a:latin typeface="Arial"/>
-            </a:endParaRPr>
-          </a:p>
-          <a:p>
-            <a:pPr lvl="1" marL="864000" indent="-321120">
-              <a:lnSpc>
-                <a:spcPts val="964"/>
-              </a:lnSpc>
-              <a:spcBef>
-                <a:spcPts val="1417"/>
-              </a:spcBef>
-              <a:buClr>
-                <a:srgbClr val="000000"/>
-              </a:buClr>
-              <a:buSzPct val="75000"/>
-              <a:buFont typeface="Symbol"/>
-              <a:buChar char=""/>
-            </a:pPr>
-            <a:r>
-              <a:rPr b="0" lang="ru-RU" sz="2400" spc="-1" strike="noStrike">
-                <a:solidFill>
-                  <a:srgbClr val="2a6099"/>
-                </a:solidFill>
-                <a:latin typeface="Linux Libertine Display G"/>
-                <a:ea typeface="Microsoft YaHei"/>
-              </a:rPr>
-              <a:t>$ git add forgotten_file</a:t>
-            </a:r>
-            <a:endParaRPr b="0" lang="ru-RU" sz="2400" spc="-1" strike="noStrike">
-              <a:latin typeface="Arial"/>
-            </a:endParaRPr>
-          </a:p>
-          <a:p>
-            <a:pPr lvl="1" marL="864000" indent="-321120">
-              <a:lnSpc>
-                <a:spcPts val="964"/>
-              </a:lnSpc>
-              <a:spcBef>
-                <a:spcPts val="1417"/>
-              </a:spcBef>
-              <a:buClr>
-                <a:srgbClr val="000000"/>
-              </a:buClr>
-              <a:buSzPct val="75000"/>
-              <a:buFont typeface="Symbol"/>
-              <a:buChar char=""/>
-            </a:pPr>
-            <a:r>
-              <a:rPr b="0" lang="ru-RU" sz="2400" spc="-1" strike="noStrike">
-                <a:solidFill>
-                  <a:srgbClr val="2a6099"/>
-                </a:solidFill>
-                <a:latin typeface="Linux Libertine Display G"/>
-                <a:ea typeface="Microsoft YaHei"/>
-              </a:rPr>
-              <a:t>$ git commit --amend</a:t>
-            </a:r>
-            <a:endParaRPr b="0" lang="ru-RU" sz="2400" spc="-1" strike="noStrike">
-              <a:latin typeface="Arial"/>
-            </a:endParaRPr>
-          </a:p>
-          <a:p>
-            <a:pPr>
-              <a:lnSpc>
-                <a:spcPct val="100000"/>
-              </a:lnSpc>
-              <a:spcBef>
-                <a:spcPts val="1417"/>
-              </a:spcBef>
-            </a:pPr>
-            <a:r>
-              <a:rPr b="0" lang="ru-RU" sz="2400" spc="-1" strike="noStrike">
-                <a:solidFill>
-                  <a:srgbClr val="000000"/>
-                </a:solidFill>
-                <a:latin typeface="Times New Roman"/>
-                <a:ea typeface="Microsoft YaHei"/>
-              </a:rPr>
-              <a:t>	</a:t>
-            </a:r>
-            <a:r>
-              <a:rPr b="0" lang="ru-RU" sz="2400" spc="-1" strike="noStrike">
-                <a:solidFill>
-                  <a:srgbClr val="000000"/>
-                </a:solidFill>
-                <a:latin typeface="Times New Roman"/>
-                <a:ea typeface="Microsoft YaHei"/>
-              </a:rPr>
-              <a:t>В итоге получится единый коммит — второй коммит заменит результаты первого.</a:t>
+                <a:ea typeface="DejaVu Sans"/>
+              </a:rPr>
+              <a:t>$ git mv &lt;from&gt; &lt;to&gt;</a:t>
             </a:r>
             <a:endParaRPr b="0" lang="ru-RU" sz="2400" spc="-1" strike="noStrike">
               <a:latin typeface="Arial"/>
@@ -8113,7 +8320,7 @@
         <p:spPr>
           <a:xfrm>
             <a:off x="504000" y="226080"/>
-            <a:ext cx="9068760" cy="943560"/>
+            <a:ext cx="9066600" cy="941400"/>
           </a:xfrm>
           <a:prstGeom prst="rect">
             <a:avLst/>
@@ -8140,14 +8347,14 @@
               </a:lnSpc>
             </a:pPr>
             <a:r>
-              <a:rPr b="0" lang="en-US" sz="4400" spc="-1" strike="noStrike">
+              <a:rPr b="1" lang="en-US" sz="4400" spc="-1" strike="noStrike">
                 <a:solidFill>
                   <a:srgbClr val="000000"/>
                 </a:solidFill>
                 <a:latin typeface="Times New Roman"/>
                 <a:ea typeface="DejaVu Sans"/>
               </a:rPr>
-              <a:t>Отмена изменений в файле</a:t>
+              <a:t>Операции отмены</a:t>
             </a:r>
             <a:endParaRPr b="0" lang="ru-RU" sz="4400" spc="-1" strike="noStrike">
               <a:latin typeface="Arial"/>
@@ -8164,7 +8371,7 @@
         <p:spPr>
           <a:xfrm>
             <a:off x="640080" y="1326600"/>
-            <a:ext cx="9068760" cy="3974040"/>
+            <a:ext cx="9066600" cy="3971880"/>
           </a:xfrm>
           <a:prstGeom prst="rect">
             <a:avLst/>
@@ -8182,10 +8389,10 @@
         </p:style>
         <p:txBody>
           <a:bodyPr lIns="0" rIns="0" tIns="0" bIns="0">
-            <a:normAutofit/>
-          </a:bodyPr>
-          <a:p>
-            <a:pPr marL="432000" indent="-321120">
+            <a:normAutofit fontScale="83000"/>
+          </a:bodyPr>
+          <a:p>
+            <a:pPr marL="432000" indent="-318960">
               <a:lnSpc>
                 <a:spcPct val="100000"/>
               </a:lnSpc>
@@ -8205,208 +8412,45 @@
                   <a:srgbClr val="000000"/>
                 </a:solidFill>
                 <a:latin typeface="Times New Roman"/>
-                <a:ea typeface="Microsoft YaHei"/>
-              </a:rPr>
-              <a:t>Что делать, если вы поняли, что не хотите сохранять свои изменения файла CONTRIBUTING.md? Как можно просто отменить изменения в нём (</a:t>
-            </a:r>
-            <a:r>
-              <a:rPr b="1" lang="ru-RU" sz="2400" spc="-1" strike="noStrike">
-                <a:solidFill>
-                  <a:srgbClr val="000000"/>
-                </a:solidFill>
-                <a:latin typeface="Times New Roman"/>
-                <a:ea typeface="Microsoft YaHei"/>
-              </a:rPr>
-              <a:t>git status</a:t>
-            </a:r>
-            <a:r>
-              <a:rPr b="0" lang="ru-RU" sz="2400" spc="-1" strike="noStrike">
-                <a:solidFill>
-                  <a:srgbClr val="000000"/>
-                </a:solidFill>
-                <a:latin typeface="Times New Roman"/>
-                <a:ea typeface="Microsoft YaHei"/>
-              </a:rPr>
-              <a:t> подсказывает): </a:t>
+                <a:ea typeface="DejaVu Sans"/>
+              </a:rPr>
+              <a:t>Если вы хотите переделать коммит — внесите необходимые изменения, добавьте их в индекс и сделайте коммит ещё раз, указав параметр --amend:</a:t>
             </a:r>
             <a:endParaRPr b="0" lang="ru-RU" sz="2400" spc="-1" strike="noStrike">
               <a:latin typeface="Arial"/>
             </a:endParaRPr>
           </a:p>
           <a:p>
-            <a:pPr>
+            <a:pPr lvl="1" marL="864000" indent="-318960">
               <a:lnSpc>
-                <a:spcPts val="964"/>
+                <a:spcPct val="100000"/>
               </a:lnSpc>
               <a:spcBef>
-                <a:spcPts val="1417"/>
+                <a:spcPts val="1134"/>
               </a:spcBef>
-            </a:pPr>
-            <a:r>
-              <a:rPr b="0" lang="ru-RU" sz="2000" spc="-1" strike="noStrike">
+              <a:buClr>
+                <a:srgbClr val="000000"/>
+              </a:buClr>
+              <a:buSzPct val="75000"/>
+              <a:buFont typeface="Symbol"/>
+              <a:buChar char=""/>
+            </a:pPr>
+            <a:r>
+              <a:rPr b="0" lang="ru-RU" sz="2400" spc="-1" strike="noStrike">
                 <a:solidFill>
                   <a:srgbClr val="2a6099"/>
                 </a:solidFill>
                 <a:latin typeface="Linux Libertine Display G"/>
-                <a:ea typeface="Microsoft YaHei"/>
-              </a:rPr>
-              <a:t>	</a:t>
-            </a:r>
-            <a:r>
-              <a:rPr b="0" lang="ru-RU" sz="2000" spc="-1" strike="noStrike">
-                <a:solidFill>
-                  <a:srgbClr val="2a6099"/>
-                </a:solidFill>
-                <a:latin typeface="Linux Libertine Display G"/>
-                <a:ea typeface="Microsoft YaHei"/>
-              </a:rPr>
-              <a:t>Changes not staged for commit:</a:t>
-            </a:r>
-            <a:endParaRPr b="0" lang="ru-RU" sz="2000" spc="-1" strike="noStrike">
-              <a:latin typeface="Arial"/>
-            </a:endParaRPr>
-          </a:p>
-          <a:p>
-            <a:pPr>
-              <a:lnSpc>
-                <a:spcPts val="964"/>
-              </a:lnSpc>
-              <a:spcBef>
-                <a:spcPts val="1417"/>
-              </a:spcBef>
-            </a:pPr>
-            <a:r>
-              <a:rPr b="0" lang="ru-RU" sz="2000" spc="-1" strike="noStrike">
-                <a:solidFill>
-                  <a:srgbClr val="2a6099"/>
-                </a:solidFill>
-                <a:latin typeface="Linux Libertine Display G"/>
-                <a:ea typeface="Microsoft YaHei"/>
-              </a:rPr>
-              <a:t>  </a:t>
-            </a:r>
-            <a:r>
-              <a:rPr b="0" lang="ru-RU" sz="2000" spc="-1" strike="noStrike">
-                <a:solidFill>
-                  <a:srgbClr val="2a6099"/>
-                </a:solidFill>
-                <a:latin typeface="Linux Libertine Display G"/>
-                <a:ea typeface="Microsoft YaHei"/>
-              </a:rPr>
-              <a:t>	</a:t>
-            </a:r>
-            <a:r>
-              <a:rPr b="0" lang="ru-RU" sz="2000" spc="-1" strike="noStrike">
-                <a:solidFill>
-                  <a:srgbClr val="2a6099"/>
-                </a:solidFill>
-                <a:latin typeface="Linux Libertine Display G"/>
-                <a:ea typeface="Microsoft YaHei"/>
-              </a:rPr>
-              <a:t>(use "git add &lt;file&gt;..." to update what will be committed)</a:t>
-            </a:r>
-            <a:endParaRPr b="0" lang="ru-RU" sz="2000" spc="-1" strike="noStrike">
-              <a:latin typeface="Arial"/>
-            </a:endParaRPr>
-          </a:p>
-          <a:p>
-            <a:pPr>
-              <a:lnSpc>
-                <a:spcPts val="964"/>
-              </a:lnSpc>
-              <a:spcBef>
-                <a:spcPts val="1417"/>
-              </a:spcBef>
-            </a:pPr>
-            <a:r>
-              <a:rPr b="0" lang="ru-RU" sz="2000" spc="-1" strike="noStrike">
-                <a:solidFill>
-                  <a:srgbClr val="2a6099"/>
-                </a:solidFill>
-                <a:latin typeface="Linux Libertine Display G"/>
-                <a:ea typeface="Microsoft YaHei"/>
-              </a:rPr>
-              <a:t>  </a:t>
-            </a:r>
-            <a:r>
-              <a:rPr b="0" lang="ru-RU" sz="2000" spc="-1" strike="noStrike">
-                <a:solidFill>
-                  <a:srgbClr val="2a6099"/>
-                </a:solidFill>
-                <a:latin typeface="Linux Libertine Display G"/>
-                <a:ea typeface="Microsoft YaHei"/>
-              </a:rPr>
-              <a:t>	</a:t>
-            </a:r>
-            <a:r>
-              <a:rPr b="0" lang="ru-RU" sz="2000" spc="-1" strike="noStrike">
-                <a:solidFill>
-                  <a:srgbClr val="2a6099"/>
-                </a:solidFill>
-                <a:latin typeface="Linux Libertine Display G"/>
-                <a:ea typeface="Microsoft YaHei"/>
-              </a:rPr>
-              <a:t>(use "git checkout -- &lt;file&gt;..." to discard changes in working directory)</a:t>
-            </a:r>
-            <a:endParaRPr b="0" lang="ru-RU" sz="2000" spc="-1" strike="noStrike">
-              <a:latin typeface="Arial"/>
-            </a:endParaRPr>
-          </a:p>
-          <a:p>
-            <a:pPr>
-              <a:lnSpc>
-                <a:spcPts val="964"/>
-              </a:lnSpc>
-              <a:spcBef>
-                <a:spcPts val="1417"/>
-              </a:spcBef>
-            </a:pPr>
-            <a:r>
-              <a:rPr b="0" lang="ru-RU" sz="2000" spc="-1" strike="noStrike">
-                <a:solidFill>
-                  <a:srgbClr val="2a6099"/>
-                </a:solidFill>
-                <a:latin typeface="Linux Libertine Display G"/>
-                <a:ea typeface="Microsoft YaHei"/>
-              </a:rPr>
-              <a:t>	</a:t>
-            </a:r>
-            <a:r>
-              <a:rPr b="0" lang="ru-RU" sz="2000" spc="-1" strike="noStrike">
-                <a:solidFill>
-                  <a:srgbClr val="2a6099"/>
-                </a:solidFill>
-                <a:latin typeface="Linux Libertine Display G"/>
-                <a:ea typeface="Microsoft YaHei"/>
-              </a:rPr>
-              <a:t>    </a:t>
-            </a:r>
-            <a:r>
-              <a:rPr b="0" lang="ru-RU" sz="2000" spc="-1" strike="noStrike">
-                <a:solidFill>
-                  <a:srgbClr val="2a6099"/>
-                </a:solidFill>
-                <a:latin typeface="Linux Libertine Display G"/>
-                <a:ea typeface="Microsoft YaHei"/>
-              </a:rPr>
-              <a:t>	</a:t>
-            </a:r>
-            <a:r>
-              <a:rPr b="0" lang="ru-RU" sz="2000" spc="-1" strike="noStrike">
-                <a:solidFill>
-                  <a:srgbClr val="2a6099"/>
-                </a:solidFill>
-                <a:latin typeface="Linux Libertine Display G"/>
-                <a:ea typeface="Microsoft YaHei"/>
-              </a:rPr>
-              <a:t>modified:   CONTRIBUTING.md</a:t>
-            </a:r>
-            <a:endParaRPr b="0" lang="ru-RU" sz="2000" spc="-1" strike="noStrike">
-              <a:latin typeface="Arial"/>
-            </a:endParaRPr>
-          </a:p>
-          <a:p>
-            <a:pPr marL="432000" indent="-321120">
+                <a:ea typeface="DejaVu Sans"/>
+              </a:rPr>
+              <a:t>$ git commit --amend</a:t>
+            </a:r>
+            <a:endParaRPr b="0" lang="ru-RU" sz="2400" spc="-1" strike="noStrike">
+              <a:latin typeface="Arial"/>
+            </a:endParaRPr>
+          </a:p>
+          <a:p>
+            <a:pPr marL="432000" indent="-318960">
               <a:lnSpc>
                 <a:spcPct val="100000"/>
               </a:lnSpc>
@@ -8428,16 +8472,16 @@
                 <a:latin typeface="Times New Roman"/>
                 <a:ea typeface="Microsoft YaHei"/>
               </a:rPr>
-              <a:t>Как отменить существующие изменения?</a:t>
+              <a:t>Например, если вы сделали коммит и поняли, что забыли проиндексировать изменения в файле, который хотели добавить в коммит, то можно сделать следующее:</a:t>
             </a:r>
             <a:endParaRPr b="0" lang="ru-RU" sz="2400" spc="-1" strike="noStrike">
               <a:latin typeface="Arial"/>
             </a:endParaRPr>
           </a:p>
           <a:p>
-            <a:pPr lvl="1" marL="864000" indent="-321120">
+            <a:pPr lvl="1" marL="864000" indent="-318960">
               <a:lnSpc>
-                <a:spcPct val="100000"/>
+                <a:spcPts val="964"/>
               </a:lnSpc>
               <a:spcBef>
                 <a:spcPts val="1417"/>
@@ -8445,8 +8489,9 @@
               <a:buClr>
                 <a:srgbClr val="000000"/>
               </a:buClr>
+              <a:buSzPct val="75000"/>
               <a:buFont typeface="Symbol"/>
-              <a:buAutoNum type="arabicPeriod"/>
+              <a:buChar char=""/>
             </a:pPr>
             <a:r>
               <a:rPr b="0" lang="ru-RU" sz="2400" spc="-1" strike="noStrike">
@@ -8456,16 +8501,16 @@
                 <a:latin typeface="Linux Libertine Display G"/>
                 <a:ea typeface="Microsoft YaHei"/>
               </a:rPr>
-              <a:t>$ git checkout -- CONTRIBUTING.md</a:t>
+              <a:t>$ git commit -m 'initial commit'</a:t>
             </a:r>
             <a:endParaRPr b="0" lang="ru-RU" sz="2400" spc="-1" strike="noStrike">
               <a:latin typeface="Arial"/>
             </a:endParaRPr>
           </a:p>
           <a:p>
-            <a:pPr lvl="1" marL="864000" indent="-321120">
+            <a:pPr lvl="1" marL="864000" indent="-318960">
               <a:lnSpc>
-                <a:spcPct val="100000"/>
+                <a:spcPts val="964"/>
               </a:lnSpc>
               <a:spcBef>
                 <a:spcPts val="1417"/>
@@ -8473,8 +8518,9 @@
               <a:buClr>
                 <a:srgbClr val="000000"/>
               </a:buClr>
+              <a:buSzPct val="75000"/>
               <a:buFont typeface="Symbol"/>
-              <a:buAutoNum type="arabicPeriod"/>
+              <a:buChar char=""/>
             </a:pPr>
             <a:r>
               <a:rPr b="0" lang="ru-RU" sz="2400" spc="-1" strike="noStrike">
@@ -8484,7 +8530,69 @@
                 <a:latin typeface="Linux Libertine Display G"/>
                 <a:ea typeface="Microsoft YaHei"/>
               </a:rPr>
-              <a:t>$ git restore CONTRIBUTING.md</a:t>
+              <a:t>$ git add forgotten_file</a:t>
+            </a:r>
+            <a:endParaRPr b="0" lang="ru-RU" sz="2400" spc="-1" strike="noStrike">
+              <a:latin typeface="Arial"/>
+            </a:endParaRPr>
+          </a:p>
+          <a:p>
+            <a:pPr lvl="1" marL="864000" indent="-318960">
+              <a:lnSpc>
+                <a:spcPts val="964"/>
+              </a:lnSpc>
+              <a:spcBef>
+                <a:spcPts val="1417"/>
+              </a:spcBef>
+              <a:buClr>
+                <a:srgbClr val="000000"/>
+              </a:buClr>
+              <a:buSzPct val="75000"/>
+              <a:buFont typeface="Symbol"/>
+              <a:buChar char=""/>
+            </a:pPr>
+            <a:r>
+              <a:rPr b="0" lang="ru-RU" sz="2400" spc="-1" strike="noStrike">
+                <a:solidFill>
+                  <a:srgbClr val="2a6099"/>
+                </a:solidFill>
+                <a:latin typeface="Linux Libertine Display G"/>
+                <a:ea typeface="Microsoft YaHei"/>
+              </a:rPr>
+              <a:t>$ git commit --amend</a:t>
+            </a:r>
+            <a:endParaRPr b="0" lang="ru-RU" sz="2400" spc="-1" strike="noStrike">
+              <a:latin typeface="Arial"/>
+            </a:endParaRPr>
+          </a:p>
+          <a:p>
+            <a:pPr>
+              <a:lnSpc>
+                <a:spcPct val="100000"/>
+              </a:lnSpc>
+              <a:spcBef>
+                <a:spcPts val="1417"/>
+              </a:spcBef>
+            </a:pPr>
+            <a:r>
+              <a:rPr b="0" lang="ru-RU" sz="2400" spc="-1" strike="noStrike">
+                <a:solidFill>
+                  <a:srgbClr val="000000"/>
+                </a:solidFill>
+                <a:latin typeface="Times New Roman"/>
+                <a:ea typeface="Microsoft YaHei"/>
+              </a:rPr>
+              <a:t>	</a:t>
+            </a:r>
+            <a:r>
+              <a:rPr b="0" lang="ru-RU" sz="2400" spc="-1" strike="noStrike">
+                <a:solidFill>
+                  <a:srgbClr val="000000"/>
+                </a:solidFill>
+                <a:latin typeface="Times New Roman"/>
+                <a:ea typeface="Microsoft YaHei"/>
+              </a:rPr>
+              <a:t>В итоге получится единый коммит — второй коммит заменит результаты первого.</a:t>
             </a:r>
             <a:endParaRPr b="0" lang="ru-RU" sz="2400" spc="-1" strike="noStrike">
               <a:latin typeface="Arial"/>
@@ -8531,7 +8639,7 @@
         <p:spPr>
           <a:xfrm>
             <a:off x="504000" y="226080"/>
-            <a:ext cx="9068760" cy="943560"/>
+            <a:ext cx="9066600" cy="941400"/>
           </a:xfrm>
           <a:prstGeom prst="rect">
             <a:avLst/>
@@ -8565,7 +8673,7 @@
                 <a:latin typeface="Times New Roman"/>
                 <a:ea typeface="DejaVu Sans"/>
               </a:rPr>
-              <a:t>Отмена индексации файла</a:t>
+              <a:t>Отмена изменений в файле</a:t>
             </a:r>
             <a:endParaRPr b="0" lang="ru-RU" sz="4400" spc="-1" strike="noStrike">
               <a:latin typeface="Arial"/>
@@ -8582,7 +8690,7 @@
         <p:spPr>
           <a:xfrm>
             <a:off x="640080" y="1326600"/>
-            <a:ext cx="9068760" cy="3974040"/>
+            <a:ext cx="9066600" cy="3971880"/>
           </a:xfrm>
           <a:prstGeom prst="rect">
             <a:avLst/>
@@ -8603,7 +8711,7 @@
             <a:normAutofit/>
           </a:bodyPr>
           <a:p>
-            <a:pPr marL="432000" indent="-321120">
+            <a:pPr marL="432000" indent="-318960">
               <a:lnSpc>
                 <a:spcPct val="100000"/>
               </a:lnSpc>
@@ -8625,7 +8733,7 @@
                 <a:latin typeface="Times New Roman"/>
                 <a:ea typeface="Microsoft YaHei"/>
               </a:rPr>
-              <a:t>Например, вы изменили два файла и хотите добавить их в разные коммиты, но случайно выполнили команду git add * и добавили в индекс оба (</a:t>
+              <a:t>Что делать, если вы поняли, что не хотите сохранять свои изменения файла CONTRIBUTING.md? Как можно просто отменить изменения в нём (</a:t>
             </a:r>
             <a:r>
               <a:rPr b="1" lang="ru-RU" sz="2400" spc="-1" strike="noStrike">
@@ -8635,7 +8743,7 @@
                 <a:latin typeface="Times New Roman"/>
                 <a:ea typeface="Microsoft YaHei"/>
               </a:rPr>
-              <a:t>git status </a:t>
+              <a:t>git status</a:t>
             </a:r>
             <a:r>
               <a:rPr b="0" lang="ru-RU" sz="2400" spc="-1" strike="noStrike">
@@ -8645,7 +8753,7 @@
                 <a:latin typeface="Times New Roman"/>
                 <a:ea typeface="Microsoft YaHei"/>
               </a:rPr>
-              <a:t>тоже подсказывает): </a:t>
+              <a:t> подсказывает): </a:t>
             </a:r>
             <a:endParaRPr b="0" lang="ru-RU" sz="2400" spc="-1" strike="noStrike">
               <a:latin typeface="Arial"/>
@@ -8678,7 +8786,7 @@
                 <a:latin typeface="Linux Libertine Display G"/>
                 <a:ea typeface="Microsoft YaHei"/>
               </a:rPr>
-              <a:t>On branch master</a:t>
+              <a:t>Changes not staged for commit:</a:t>
             </a:r>
             <a:endParaRPr b="0" lang="ru-RU" sz="2000" spc="-1" strike="noStrike">
               <a:latin typeface="Arial"/>
@@ -8701,7 +8809,7 @@
                 <a:latin typeface="Linux Libertine Display G"/>
                 <a:ea typeface="Microsoft YaHei"/>
               </a:rPr>
-              <a:t>	</a:t>
+              <a:t>  </a:t>
             </a:r>
             <a:r>
               <a:rPr b="0" lang="ru-RU" sz="2000" spc="-1" strike="noStrike">
@@ -8711,7 +8819,17 @@
                 <a:latin typeface="Linux Libertine Display G"/>
                 <a:ea typeface="Microsoft YaHei"/>
               </a:rPr>
-              <a:t>Changes to be committed:</a:t>
+              <a:t>	</a:t>
+            </a:r>
+            <a:r>
+              <a:rPr b="0" lang="ru-RU" sz="2000" spc="-1" strike="noStrike">
+                <a:solidFill>
+                  <a:srgbClr val="2a6099"/>
+                </a:solidFill>
+                <a:latin typeface="Linux Libertine Display G"/>
+                <a:ea typeface="Microsoft YaHei"/>
+              </a:rPr>
+              <a:t>(use "git add &lt;file&gt;..." to update what will be committed)</a:t>
             </a:r>
             <a:endParaRPr b="0" lang="ru-RU" sz="2000" spc="-1" strike="noStrike">
               <a:latin typeface="Arial"/>
@@ -8734,7 +8852,7 @@
                 <a:latin typeface="Linux Libertine Display G"/>
                 <a:ea typeface="Microsoft YaHei"/>
               </a:rPr>
-              <a:t>	</a:t>
+              <a:t>  </a:t>
             </a:r>
             <a:r>
               <a:rPr b="0" lang="ru-RU" sz="2000" spc="-1" strike="noStrike">
@@ -8744,7 +8862,7 @@
                 <a:latin typeface="Linux Libertine Display G"/>
                 <a:ea typeface="Microsoft YaHei"/>
               </a:rPr>
-              <a:t>  </a:t>
+              <a:t>	</a:t>
             </a:r>
             <a:r>
               <a:rPr b="0" lang="ru-RU" sz="2000" spc="-1" strike="noStrike">
@@ -8754,7 +8872,7 @@
                 <a:latin typeface="Linux Libertine Display G"/>
                 <a:ea typeface="Microsoft YaHei"/>
               </a:rPr>
-              <a:t>(use "git reset HEAD &lt;file&gt;..." to unstage)</a:t>
+              <a:t>(use "git checkout -- &lt;file&gt;..." to discard changes in working directory)</a:t>
             </a:r>
             <a:endParaRPr b="0" lang="ru-RU" sz="2000" spc="-1" strike="noStrike">
               <a:latin typeface="Arial"/>
@@ -8787,7 +8905,7 @@
                 <a:latin typeface="Linux Libertine Display G"/>
                 <a:ea typeface="Microsoft YaHei"/>
               </a:rPr>
-              <a:t> </a:t>
+              <a:t>    </a:t>
             </a:r>
             <a:r>
               <a:rPr b="0" lang="ru-RU" sz="2000" spc="-1" strike="noStrike">
@@ -8807,67 +8925,14 @@
                 <a:latin typeface="Linux Libertine Display G"/>
                 <a:ea typeface="Microsoft YaHei"/>
               </a:rPr>
-              <a:t>renamed:    README.md -&gt; README</a:t>
+              <a:t>modified:   CONTRIBUTING.md</a:t>
             </a:r>
             <a:endParaRPr b="0" lang="ru-RU" sz="2000" spc="-1" strike="noStrike">
               <a:latin typeface="Arial"/>
             </a:endParaRPr>
           </a:p>
           <a:p>
-            <a:pPr>
-              <a:lnSpc>
-                <a:spcPts val="964"/>
-              </a:lnSpc>
-              <a:spcBef>
-                <a:spcPts val="1417"/>
-              </a:spcBef>
-            </a:pPr>
-            <a:r>
-              <a:rPr b="0" lang="ru-RU" sz="2000" spc="-1" strike="noStrike">
-                <a:solidFill>
-                  <a:srgbClr val="2a6099"/>
-                </a:solidFill>
-                <a:latin typeface="Linux Libertine Display G"/>
-                <a:ea typeface="Microsoft YaHei"/>
-              </a:rPr>
-              <a:t>	</a:t>
-            </a:r>
-            <a:r>
-              <a:rPr b="0" lang="ru-RU" sz="2000" spc="-1" strike="noStrike">
-                <a:solidFill>
-                  <a:srgbClr val="2a6099"/>
-                </a:solidFill>
-                <a:latin typeface="Linux Libertine Display G"/>
-                <a:ea typeface="Microsoft YaHei"/>
-              </a:rPr>
-              <a:t>    </a:t>
-            </a:r>
-            <a:r>
-              <a:rPr b="0" lang="ru-RU" sz="2000" spc="-1" strike="noStrike">
-                <a:solidFill>
-                  <a:srgbClr val="2a6099"/>
-                </a:solidFill>
-                <a:latin typeface="Linux Libertine Display G"/>
-                <a:ea typeface="Microsoft YaHei"/>
-              </a:rPr>
-              <a:t>	</a:t>
-            </a:r>
-            <a:r>
-              <a:rPr b="0" lang="ru-RU" sz="2000" spc="-1" strike="noStrike">
-                <a:solidFill>
-                  <a:srgbClr val="2a6099"/>
-                </a:solidFill>
-                <a:latin typeface="Linux Libertine Display G"/>
-                <a:ea typeface="Microsoft YaHei"/>
-              </a:rPr>
-              <a:t>modified:   CONTRIBUTING.md</a:t>
-            </a:r>
-            <a:endParaRPr b="0" lang="ru-RU" sz="2000" spc="-1" strike="noStrike">
-              <a:latin typeface="Arial"/>
-            </a:endParaRPr>
-          </a:p>
-          <a:p>
-            <a:pPr marL="432000" indent="-321120">
+            <a:pPr marL="432000" indent="-318960">
               <a:lnSpc>
                 <a:spcPct val="100000"/>
               </a:lnSpc>
@@ -8889,16 +8954,16 @@
                 <a:latin typeface="Times New Roman"/>
                 <a:ea typeface="Microsoft YaHei"/>
               </a:rPr>
-              <a:t>Как исключить из индекса один из них?</a:t>
+              <a:t>Как отменить существующие изменения?</a:t>
             </a:r>
             <a:endParaRPr b="0" lang="ru-RU" sz="2400" spc="-1" strike="noStrike">
               <a:latin typeface="Arial"/>
             </a:endParaRPr>
           </a:p>
           <a:p>
-            <a:pPr lvl="1" marL="864000" indent="-321120">
+            <a:pPr lvl="1" marL="864000" indent="-318960">
               <a:lnSpc>
-                <a:spcPts val="802"/>
+                <a:spcPct val="100000"/>
               </a:lnSpc>
               <a:spcBef>
                 <a:spcPts val="1417"/>
@@ -8917,16 +8982,16 @@
                 <a:latin typeface="Linux Libertine Display G"/>
                 <a:ea typeface="Microsoft YaHei"/>
               </a:rPr>
-              <a:t>$ git reset HEAD CONTRIBUTING.md</a:t>
+              <a:t>$ git checkout -- CONTRIBUTING.md</a:t>
             </a:r>
             <a:endParaRPr b="0" lang="ru-RU" sz="2400" spc="-1" strike="noStrike">
               <a:latin typeface="Arial"/>
             </a:endParaRPr>
           </a:p>
           <a:p>
-            <a:pPr lvl="1" marL="864000" indent="-321120">
+            <a:pPr lvl="1" marL="864000" indent="-318960">
               <a:lnSpc>
-                <a:spcPts val="802"/>
+                <a:spcPct val="100000"/>
               </a:lnSpc>
               <a:spcBef>
                 <a:spcPts val="1417"/>
@@ -8945,7 +9010,7 @@
                 <a:latin typeface="Linux Libertine Display G"/>
                 <a:ea typeface="Microsoft YaHei"/>
               </a:rPr>
-              <a:t>$ git restore --staged CONTRIBUTING.md</a:t>
+              <a:t>$ git restore CONTRIBUTING.md</a:t>
             </a:r>
             <a:endParaRPr b="0" lang="ru-RU" sz="2400" spc="-1" strike="noStrike">
               <a:latin typeface="Arial"/>
@@ -8992,7 +9057,7 @@
         <p:spPr>
           <a:xfrm>
             <a:off x="504000" y="226080"/>
-            <a:ext cx="9068760" cy="943560"/>
+            <a:ext cx="9066600" cy="941400"/>
           </a:xfrm>
           <a:prstGeom prst="rect">
             <a:avLst/>
@@ -9026,7 +9091,7 @@
                 <a:latin typeface="Times New Roman"/>
                 <a:ea typeface="DejaVu Sans"/>
               </a:rPr>
-              <a:t>Отмена коммита (возврат)</a:t>
+              <a:t>Отмена индексации файла</a:t>
             </a:r>
             <a:endParaRPr b="0" lang="ru-RU" sz="4400" spc="-1" strike="noStrike">
               <a:latin typeface="Arial"/>
@@ -9043,7 +9108,7 @@
         <p:spPr>
           <a:xfrm>
             <a:off x="640080" y="1326600"/>
-            <a:ext cx="9068760" cy="3974040"/>
+            <a:ext cx="9066600" cy="3971880"/>
           </a:xfrm>
           <a:prstGeom prst="rect">
             <a:avLst/>
@@ -9064,7 +9129,7 @@
             <a:normAutofit/>
           </a:bodyPr>
           <a:p>
-            <a:pPr marL="432000" indent="-321120">
+            <a:pPr marL="432000" indent="-318960">
               <a:lnSpc>
                 <a:spcPct val="100000"/>
               </a:lnSpc>
@@ -9086,43 +9151,249 @@
                 <a:latin typeface="Times New Roman"/>
                 <a:ea typeface="Microsoft YaHei"/>
               </a:rPr>
-              <a:t>Отмена последнего коммита (возврат на 1 коммит):</a:t>
+              <a:t>Например, вы изменили два файла и хотите добавить их в разные коммиты, но случайно выполнили команду git add * и добавили в индекс оба (</a:t>
+            </a:r>
+            <a:r>
+              <a:rPr b="1" lang="ru-RU" sz="2400" spc="-1" strike="noStrike">
+                <a:solidFill>
+                  <a:srgbClr val="000000"/>
+                </a:solidFill>
+                <a:latin typeface="Times New Roman"/>
+                <a:ea typeface="Microsoft YaHei"/>
+              </a:rPr>
+              <a:t>git status </a:t>
+            </a:r>
+            <a:r>
+              <a:rPr b="0" lang="ru-RU" sz="2400" spc="-1" strike="noStrike">
+                <a:solidFill>
+                  <a:srgbClr val="000000"/>
+                </a:solidFill>
+                <a:latin typeface="Times New Roman"/>
+                <a:ea typeface="Microsoft YaHei"/>
+              </a:rPr>
+              <a:t>тоже подсказывает): </a:t>
             </a:r>
             <a:endParaRPr b="0" lang="ru-RU" sz="2400" spc="-1" strike="noStrike">
               <a:latin typeface="Arial"/>
             </a:endParaRPr>
           </a:p>
           <a:p>
-            <a:pPr lvl="1" marL="864000" indent="-321120">
+            <a:pPr>
               <a:lnSpc>
-                <a:spcPct val="100000"/>
+                <a:spcPts val="964"/>
               </a:lnSpc>
               <a:spcBef>
                 <a:spcPts val="1417"/>
               </a:spcBef>
-              <a:buClr>
-                <a:srgbClr val="000000"/>
-              </a:buClr>
-              <a:buSzPct val="75000"/>
-              <a:buFont typeface="Symbol"/>
-              <a:buChar char=""/>
-            </a:pPr>
-            <a:r>
-              <a:rPr b="0" lang="ru-RU" sz="2400" spc="-1" strike="noStrike">
+            </a:pPr>
+            <a:r>
+              <a:rPr b="0" lang="ru-RU" sz="2000" spc="-1" strike="noStrike">
                 <a:solidFill>
                   <a:srgbClr val="2a6099"/>
                 </a:solidFill>
                 <a:latin typeface="Linux Libertine Display G"/>
                 <a:ea typeface="Microsoft YaHei"/>
               </a:rPr>
-              <a:t>$ git reset --soft HEAD^1</a:t>
-            </a:r>
-            <a:endParaRPr b="0" lang="ru-RU" sz="2400" spc="-1" strike="noStrike">
-              <a:latin typeface="Arial"/>
-            </a:endParaRPr>
-          </a:p>
-          <a:p>
-            <a:pPr marL="432000" indent="-321120">
+              <a:t>	</a:t>
+            </a:r>
+            <a:r>
+              <a:rPr b="0" lang="ru-RU" sz="2000" spc="-1" strike="noStrike">
+                <a:solidFill>
+                  <a:srgbClr val="2a6099"/>
+                </a:solidFill>
+                <a:latin typeface="Linux Libertine Display G"/>
+                <a:ea typeface="Microsoft YaHei"/>
+              </a:rPr>
+              <a:t>On branch master</a:t>
+            </a:r>
+            <a:endParaRPr b="0" lang="ru-RU" sz="2000" spc="-1" strike="noStrike">
+              <a:latin typeface="Arial"/>
+            </a:endParaRPr>
+          </a:p>
+          <a:p>
+            <a:pPr>
+              <a:lnSpc>
+                <a:spcPts val="964"/>
+              </a:lnSpc>
+              <a:spcBef>
+                <a:spcPts val="1417"/>
+              </a:spcBef>
+            </a:pPr>
+            <a:r>
+              <a:rPr b="0" lang="ru-RU" sz="2000" spc="-1" strike="noStrike">
+                <a:solidFill>
+                  <a:srgbClr val="2a6099"/>
+                </a:solidFill>
+                <a:latin typeface="Linux Libertine Display G"/>
+                <a:ea typeface="Microsoft YaHei"/>
+              </a:rPr>
+              <a:t>	</a:t>
+            </a:r>
+            <a:r>
+              <a:rPr b="0" lang="ru-RU" sz="2000" spc="-1" strike="noStrike">
+                <a:solidFill>
+                  <a:srgbClr val="2a6099"/>
+                </a:solidFill>
+                <a:latin typeface="Linux Libertine Display G"/>
+                <a:ea typeface="Microsoft YaHei"/>
+              </a:rPr>
+              <a:t>Changes to be committed:</a:t>
+            </a:r>
+            <a:endParaRPr b="0" lang="ru-RU" sz="2000" spc="-1" strike="noStrike">
+              <a:latin typeface="Arial"/>
+            </a:endParaRPr>
+          </a:p>
+          <a:p>
+            <a:pPr>
+              <a:lnSpc>
+                <a:spcPts val="964"/>
+              </a:lnSpc>
+              <a:spcBef>
+                <a:spcPts val="1417"/>
+              </a:spcBef>
+            </a:pPr>
+            <a:r>
+              <a:rPr b="0" lang="ru-RU" sz="2000" spc="-1" strike="noStrike">
+                <a:solidFill>
+                  <a:srgbClr val="2a6099"/>
+                </a:solidFill>
+                <a:latin typeface="Linux Libertine Display G"/>
+                <a:ea typeface="Microsoft YaHei"/>
+              </a:rPr>
+              <a:t>	</a:t>
+            </a:r>
+            <a:r>
+              <a:rPr b="0" lang="ru-RU" sz="2000" spc="-1" strike="noStrike">
+                <a:solidFill>
+                  <a:srgbClr val="2a6099"/>
+                </a:solidFill>
+                <a:latin typeface="Linux Libertine Display G"/>
+                <a:ea typeface="Microsoft YaHei"/>
+              </a:rPr>
+              <a:t>  </a:t>
+            </a:r>
+            <a:r>
+              <a:rPr b="0" lang="ru-RU" sz="2000" spc="-1" strike="noStrike">
+                <a:solidFill>
+                  <a:srgbClr val="2a6099"/>
+                </a:solidFill>
+                <a:latin typeface="Linux Libertine Display G"/>
+                <a:ea typeface="Microsoft YaHei"/>
+              </a:rPr>
+              <a:t>(use "git reset HEAD &lt;file&gt;..." to unstage)</a:t>
+            </a:r>
+            <a:endParaRPr b="0" lang="ru-RU" sz="2000" spc="-1" strike="noStrike">
+              <a:latin typeface="Arial"/>
+            </a:endParaRPr>
+          </a:p>
+          <a:p>
+            <a:pPr>
+              <a:lnSpc>
+                <a:spcPts val="964"/>
+              </a:lnSpc>
+              <a:spcBef>
+                <a:spcPts val="1417"/>
+              </a:spcBef>
+            </a:pPr>
+            <a:r>
+              <a:rPr b="0" lang="ru-RU" sz="2000" spc="-1" strike="noStrike">
+                <a:solidFill>
+                  <a:srgbClr val="2a6099"/>
+                </a:solidFill>
+                <a:latin typeface="Linux Libertine Display G"/>
+                <a:ea typeface="Microsoft YaHei"/>
+              </a:rPr>
+              <a:t>	</a:t>
+            </a:r>
+            <a:r>
+              <a:rPr b="0" lang="ru-RU" sz="2000" spc="-1" strike="noStrike">
+                <a:solidFill>
+                  <a:srgbClr val="2a6099"/>
+                </a:solidFill>
+                <a:latin typeface="Linux Libertine Display G"/>
+                <a:ea typeface="Microsoft YaHei"/>
+              </a:rPr>
+              <a:t> </a:t>
+            </a:r>
+            <a:r>
+              <a:rPr b="0" lang="ru-RU" sz="2000" spc="-1" strike="noStrike">
+                <a:solidFill>
+                  <a:srgbClr val="2a6099"/>
+                </a:solidFill>
+                <a:latin typeface="Linux Libertine Display G"/>
+                <a:ea typeface="Microsoft YaHei"/>
+              </a:rPr>
+              <a:t>	</a:t>
+            </a:r>
+            <a:r>
+              <a:rPr b="0" lang="ru-RU" sz="2000" spc="-1" strike="noStrike">
+                <a:solidFill>
+                  <a:srgbClr val="2a6099"/>
+                </a:solidFill>
+                <a:latin typeface="Linux Libertine Display G"/>
+                <a:ea typeface="Microsoft YaHei"/>
+              </a:rPr>
+              <a:t>renamed:    README.md -&gt; README</a:t>
+            </a:r>
+            <a:endParaRPr b="0" lang="ru-RU" sz="2000" spc="-1" strike="noStrike">
+              <a:latin typeface="Arial"/>
+            </a:endParaRPr>
+          </a:p>
+          <a:p>
+            <a:pPr>
+              <a:lnSpc>
+                <a:spcPts val="964"/>
+              </a:lnSpc>
+              <a:spcBef>
+                <a:spcPts val="1417"/>
+              </a:spcBef>
+            </a:pPr>
+            <a:r>
+              <a:rPr b="0" lang="ru-RU" sz="2000" spc="-1" strike="noStrike">
+                <a:solidFill>
+                  <a:srgbClr val="2a6099"/>
+                </a:solidFill>
+                <a:latin typeface="Linux Libertine Display G"/>
+                <a:ea typeface="Microsoft YaHei"/>
+              </a:rPr>
+              <a:t>	</a:t>
+            </a:r>
+            <a:r>
+              <a:rPr b="0" lang="ru-RU" sz="2000" spc="-1" strike="noStrike">
+                <a:solidFill>
+                  <a:srgbClr val="2a6099"/>
+                </a:solidFill>
+                <a:latin typeface="Linux Libertine Display G"/>
+                <a:ea typeface="Microsoft YaHei"/>
+              </a:rPr>
+              <a:t>    </a:t>
+            </a:r>
+            <a:r>
+              <a:rPr b="0" lang="ru-RU" sz="2000" spc="-1" strike="noStrike">
+                <a:solidFill>
+                  <a:srgbClr val="2a6099"/>
+                </a:solidFill>
+                <a:latin typeface="Linux Libertine Display G"/>
+                <a:ea typeface="Microsoft YaHei"/>
+              </a:rPr>
+              <a:t>	</a:t>
+            </a:r>
+            <a:r>
+              <a:rPr b="0" lang="ru-RU" sz="2000" spc="-1" strike="noStrike">
+                <a:solidFill>
+                  <a:srgbClr val="2a6099"/>
+                </a:solidFill>
+                <a:latin typeface="Linux Libertine Display G"/>
+                <a:ea typeface="Microsoft YaHei"/>
+              </a:rPr>
+              <a:t>modified:   CONTRIBUTING.md</a:t>
+            </a:r>
+            <a:endParaRPr b="0" lang="ru-RU" sz="2000" spc="-1" strike="noStrike">
+              <a:latin typeface="Arial"/>
+            </a:endParaRPr>
+          </a:p>
+          <a:p>
+            <a:pPr marL="432000" indent="-318960">
               <a:lnSpc>
                 <a:spcPct val="100000"/>
               </a:lnSpc>
@@ -9144,16 +9415,16 @@
                 <a:latin typeface="Times New Roman"/>
                 <a:ea typeface="Microsoft YaHei"/>
               </a:rPr>
-              <a:t>Отмена последнего коммита и изменения файла:</a:t>
+              <a:t>Как исключить из индекса один из них?</a:t>
             </a:r>
             <a:endParaRPr b="0" lang="ru-RU" sz="2400" spc="-1" strike="noStrike">
               <a:latin typeface="Arial"/>
             </a:endParaRPr>
           </a:p>
           <a:p>
-            <a:pPr lvl="1" marL="864000" indent="-321120">
+            <a:pPr lvl="1" marL="864000" indent="-318960">
               <a:lnSpc>
-                <a:spcPct val="100000"/>
+                <a:spcPts val="802"/>
               </a:lnSpc>
               <a:spcBef>
                 <a:spcPts val="1417"/>
@@ -9161,9 +9432,8 @@
               <a:buClr>
                 <a:srgbClr val="000000"/>
               </a:buClr>
-              <a:buSzPct val="75000"/>
               <a:buFont typeface="Symbol"/>
-              <a:buChar char=""/>
+              <a:buAutoNum type="arabicPeriod"/>
             </a:pPr>
             <a:r>
               <a:rPr b="0" lang="ru-RU" sz="2400" spc="-1" strike="noStrike">
@@ -9173,7 +9443,35 @@
                 <a:latin typeface="Linux Libertine Display G"/>
                 <a:ea typeface="Microsoft YaHei"/>
               </a:rPr>
-              <a:t>$ git reset --hard HEAD^1</a:t>
+              <a:t>$ git reset HEAD CONTRIBUTING.md</a:t>
+            </a:r>
+            <a:endParaRPr b="0" lang="ru-RU" sz="2400" spc="-1" strike="noStrike">
+              <a:latin typeface="Arial"/>
+            </a:endParaRPr>
+          </a:p>
+          <a:p>
+            <a:pPr lvl="1" marL="864000" indent="-318960">
+              <a:lnSpc>
+                <a:spcPts val="802"/>
+              </a:lnSpc>
+              <a:spcBef>
+                <a:spcPts val="1417"/>
+              </a:spcBef>
+              <a:buClr>
+                <a:srgbClr val="000000"/>
+              </a:buClr>
+              <a:buFont typeface="Symbol"/>
+              <a:buAutoNum type="arabicPeriod"/>
+            </a:pPr>
+            <a:r>
+              <a:rPr b="0" lang="ru-RU" sz="2400" spc="-1" strike="noStrike">
+                <a:solidFill>
+                  <a:srgbClr val="2a6099"/>
+                </a:solidFill>
+                <a:latin typeface="Linux Libertine Display G"/>
+                <a:ea typeface="Microsoft YaHei"/>
+              </a:rPr>
+              <a:t>$ git restore --staged CONTRIBUTING.md</a:t>
             </a:r>
             <a:endParaRPr b="0" lang="ru-RU" sz="2400" spc="-1" strike="noStrike">
               <a:latin typeface="Arial"/>
@@ -9220,7 +9518,7 @@
         <p:spPr>
           <a:xfrm>
             <a:off x="504000" y="226080"/>
-            <a:ext cx="9068760" cy="943560"/>
+            <a:ext cx="9066600" cy="941400"/>
           </a:xfrm>
           <a:prstGeom prst="rect">
             <a:avLst/>
@@ -9247,16 +9545,16 @@
               </a:lnSpc>
             </a:pPr>
             <a:r>
-              <a:rPr b="1" lang="en-US" sz="4400" spc="-1" strike="noStrike">
+              <a:rPr b="0" lang="en-US" sz="4400" spc="-1" strike="noStrike">
                 <a:solidFill>
                   <a:srgbClr val="000000"/>
                 </a:solidFill>
                 <a:latin typeface="Times New Roman"/>
                 <a:ea typeface="DejaVu Sans"/>
               </a:rPr>
-              <a:t>Раскрытие тайн reset</a:t>
-            </a:r>
-            <a:endParaRPr b="1" lang="ru-RU" sz="4400" spc="-1" strike="noStrike">
+              <a:t>Отмена коммита (возврат)</a:t>
+            </a:r>
+            <a:endParaRPr b="0" lang="ru-RU" sz="4400" spc="-1" strike="noStrike">
               <a:latin typeface="Arial"/>
             </a:endParaRPr>
           </a:p>
@@ -9271,7 +9569,7 @@
         <p:spPr>
           <a:xfrm>
             <a:off x="640080" y="1326600"/>
-            <a:ext cx="9068760" cy="3974040"/>
+            <a:ext cx="9066600" cy="3971880"/>
           </a:xfrm>
           <a:prstGeom prst="rect">
             <a:avLst/>
@@ -9289,10 +9587,10 @@
         </p:style>
         <p:txBody>
           <a:bodyPr lIns="0" rIns="0" tIns="0" bIns="0">
-            <a:normAutofit fontScale="91000"/>
-          </a:bodyPr>
-          <a:p>
-            <a:pPr marL="432000" indent="-321120">
+            <a:normAutofit/>
+          </a:bodyPr>
+          <a:p>
+            <a:pPr marL="432000" indent="-318960">
               <a:lnSpc>
                 <a:spcPct val="100000"/>
               </a:lnSpc>
@@ -9314,54 +9612,43 @@
                 <a:latin typeface="Times New Roman"/>
                 <a:ea typeface="Microsoft YaHei"/>
               </a:rPr>
-              <a:t>Давайте поговорим о </a:t>
-            </a:r>
-            <a:r>
-              <a:rPr b="1" lang="ru-RU" sz="2400" spc="-1" strike="noStrike">
-                <a:solidFill>
-                  <a:srgbClr val="000000"/>
-                </a:solidFill>
-                <a:latin typeface="Times New Roman"/>
+              <a:t>Отмена последнего коммита (возврат на 1 коммит):</a:t>
+            </a:r>
+            <a:endParaRPr b="0" lang="ru-RU" sz="2400" spc="-1" strike="noStrike">
+              <a:latin typeface="Arial"/>
+            </a:endParaRPr>
+          </a:p>
+          <a:p>
+            <a:pPr lvl="1" marL="864000" indent="-318960">
+              <a:lnSpc>
+                <a:spcPct val="100000"/>
+              </a:lnSpc>
+              <a:spcBef>
+                <a:spcPts val="1417"/>
+              </a:spcBef>
+              <a:buClr>
+                <a:srgbClr val="000000"/>
+              </a:buClr>
+              <a:buSzPct val="75000"/>
+              <a:buFont typeface="Symbol"/>
+              <a:buChar char=""/>
+            </a:pPr>
+            <a:r>
+              <a:rPr b="0" lang="ru-RU" sz="2400" spc="-1" strike="noStrike">
+                <a:solidFill>
+                  <a:srgbClr val="2a6099"/>
+                </a:solidFill>
+                <a:latin typeface="Linux Libertine Display G"/>
                 <a:ea typeface="Microsoft YaHei"/>
               </a:rPr>
-              <a:t>reset</a:t>
-            </a:r>
-            <a:r>
-              <a:rPr b="0" lang="ru-RU" sz="2400" spc="-1" strike="noStrike">
-                <a:solidFill>
-                  <a:srgbClr val="000000"/>
-                </a:solidFill>
-                <a:latin typeface="Times New Roman"/>
-                <a:ea typeface="Microsoft YaHei"/>
-              </a:rPr>
-              <a:t> и </a:t>
-            </a:r>
-            <a:r>
-              <a:rPr b="1" lang="ru-RU" sz="2400" spc="-1" strike="noStrike">
-                <a:solidFill>
-                  <a:srgbClr val="000000"/>
-                </a:solidFill>
-                <a:latin typeface="Times New Roman"/>
-                <a:ea typeface="Microsoft YaHei"/>
-              </a:rPr>
-              <a:t>checkout</a:t>
-            </a:r>
-            <a:r>
-              <a:rPr b="0" lang="ru-RU" sz="2400" spc="-1" strike="noStrike">
-                <a:solidFill>
-                  <a:srgbClr val="000000"/>
-                </a:solidFill>
-                <a:latin typeface="Times New Roman"/>
-                <a:ea typeface="Microsoft YaHei"/>
-              </a:rPr>
-              <a:t>. Эти команды кажутся самыми непонятными из всех, которые есть в Git, когда вы в первый раз сталкиваетесь с ними. Они делают так много, что попытки по-настоящему их понять и правильно использовать кажутся безнадёжными. Для того, чтобы всё же достичь этого, мы советуем воспользоваться простой аналогией.</a:t>
+              <a:t>$ git reset --soft HEAD^1</a:t>
             </a:r>
             <a:endParaRPr b="0" lang="ru-RU" sz="2400" spc="-1" strike="noStrike">
               <a:latin typeface="Arial"/>
             </a:endParaRPr>
           </a:p>
           <a:p>
-            <a:pPr marL="432000" indent="-321120">
+            <a:pPr marL="432000" indent="-318960">
               <a:lnSpc>
                 <a:spcPct val="100000"/>
               </a:lnSpc>
@@ -9383,47 +9670,36 @@
                 <a:latin typeface="Times New Roman"/>
                 <a:ea typeface="Microsoft YaHei"/>
               </a:rPr>
-              <a:t>Разобраться с командами </a:t>
-            </a:r>
-            <a:r>
-              <a:rPr b="1" lang="ru-RU" sz="2400" spc="-1" strike="noStrike">
-                <a:solidFill>
-                  <a:srgbClr val="000000"/>
-                </a:solidFill>
-                <a:latin typeface="Times New Roman"/>
+              <a:t>Отмена последнего коммита и изменения файла:</a:t>
+            </a:r>
+            <a:endParaRPr b="0" lang="ru-RU" sz="2400" spc="-1" strike="noStrike">
+              <a:latin typeface="Arial"/>
+            </a:endParaRPr>
+          </a:p>
+          <a:p>
+            <a:pPr lvl="1" marL="864000" indent="-318960">
+              <a:lnSpc>
+                <a:spcPct val="100000"/>
+              </a:lnSpc>
+              <a:spcBef>
+                <a:spcPts val="1417"/>
+              </a:spcBef>
+              <a:buClr>
+                <a:srgbClr val="000000"/>
+              </a:buClr>
+              <a:buSzPct val="75000"/>
+              <a:buFont typeface="Symbol"/>
+              <a:buChar char=""/>
+            </a:pPr>
+            <a:r>
+              <a:rPr b="0" lang="ru-RU" sz="2400" spc="-1" strike="noStrike">
+                <a:solidFill>
+                  <a:srgbClr val="2a6099"/>
+                </a:solidFill>
+                <a:latin typeface="Linux Libertine Display G"/>
                 <a:ea typeface="Microsoft YaHei"/>
               </a:rPr>
-              <a:t>reset</a:t>
-            </a:r>
-            <a:r>
-              <a:rPr b="0" lang="ru-RU" sz="2400" spc="-1" strike="noStrike">
-                <a:solidFill>
-                  <a:srgbClr val="000000"/>
-                </a:solidFill>
-                <a:latin typeface="Times New Roman"/>
-                <a:ea typeface="Microsoft YaHei"/>
-              </a:rPr>
-              <a:t> и </a:t>
-            </a:r>
-            <a:r>
-              <a:rPr b="1" lang="ru-RU" sz="2400" spc="-1" strike="noStrike">
-                <a:solidFill>
-                  <a:srgbClr val="000000"/>
-                </a:solidFill>
-                <a:latin typeface="Times New Roman"/>
-                <a:ea typeface="Microsoft YaHei"/>
-              </a:rPr>
-              <a:t>checkout</a:t>
-            </a:r>
-            <a:r>
-              <a:rPr b="0" lang="ru-RU" sz="2400" spc="-1" strike="noStrike">
-                <a:solidFill>
-                  <a:srgbClr val="000000"/>
-                </a:solidFill>
-                <a:latin typeface="Times New Roman"/>
-                <a:ea typeface="Microsoft YaHei"/>
-              </a:rPr>
-              <a:t> будет проще, если считать, что Git управляет содержимым трёх различных деревьев. Здесь под “деревом” мы понимаем “набор файлов”, а не специальную структуру данных. (В некоторых случаях индекс ведет себя не совсем так, как дерево, но для наших текущих целей его проще представлять именно таким.)</a:t>
+              <a:t>$ git reset --hard HEAD^1</a:t>
             </a:r>
             <a:endParaRPr b="0" lang="ru-RU" sz="2400" spc="-1" strike="noStrike">
               <a:latin typeface="Arial"/>
@@ -9470,7 +9746,7 @@
         <p:spPr>
           <a:xfrm>
             <a:off x="504000" y="226080"/>
-            <a:ext cx="9068760" cy="943560"/>
+            <a:ext cx="9066600" cy="941400"/>
           </a:xfrm>
           <a:prstGeom prst="rect">
             <a:avLst/>
@@ -9497,14 +9773,14 @@
               </a:lnSpc>
             </a:pPr>
             <a:r>
-              <a:rPr b="0" lang="en-US" sz="4400" spc="-1" strike="noStrike">
+              <a:rPr b="1" lang="en-US" sz="4400" spc="-1" strike="noStrike">
                 <a:solidFill>
                   <a:srgbClr val="000000"/>
                 </a:solidFill>
                 <a:latin typeface="Times New Roman"/>
                 <a:ea typeface="DejaVu Sans"/>
               </a:rPr>
-              <a:t>Три дерева</a:t>
+              <a:t>Раскрытие тайн reset</a:t>
             </a:r>
             <a:endParaRPr b="0" lang="ru-RU" sz="4400" spc="-1" strike="noStrike">
               <a:latin typeface="Arial"/>
@@ -9521,7 +9797,7 @@
         <p:spPr>
           <a:xfrm>
             <a:off x="640080" y="1326600"/>
-            <a:ext cx="9068760" cy="3974040"/>
+            <a:ext cx="9066600" cy="3971880"/>
           </a:xfrm>
           <a:prstGeom prst="rect">
             <a:avLst/>
@@ -9537,30 +9813,150 @@
           <a:effectRef idx="0"/>
           <a:fontRef idx="minor"/>
         </p:style>
-      </p:sp>
-      <p:pic>
-        <p:nvPicPr>
-          <p:cNvPr id="131" name="" descr=""/>
-          <p:cNvPicPr/>
-          <p:nvPr/>
-        </p:nvPicPr>
-        <p:blipFill>
-          <a:blip r:embed="rId1"/>
-          <a:stretch/>
-        </p:blipFill>
-        <p:spPr>
-          <a:xfrm>
-            <a:off x="1260000" y="1326600"/>
-            <a:ext cx="7617960" cy="4198320"/>
-          </a:xfrm>
-          <a:prstGeom prst="rect">
-            <a:avLst/>
-          </a:prstGeom>
-          <a:ln w="0">
-            <a:noFill/>
-          </a:ln>
-        </p:spPr>
-      </p:pic>
+        <p:txBody>
+          <a:bodyPr lIns="0" rIns="0" tIns="0" bIns="0">
+            <a:normAutofit fontScale="90000"/>
+          </a:bodyPr>
+          <a:p>
+            <a:pPr marL="432000" indent="-318960">
+              <a:lnSpc>
+                <a:spcPct val="100000"/>
+              </a:lnSpc>
+              <a:spcBef>
+                <a:spcPts val="1417"/>
+              </a:spcBef>
+              <a:buClr>
+                <a:srgbClr val="000000"/>
+              </a:buClr>
+              <a:buSzPct val="45000"/>
+              <a:buFont typeface="Wingdings" charset="2"/>
+              <a:buChar char=""/>
+            </a:pPr>
+            <a:r>
+              <a:rPr b="0" lang="ru-RU" sz="2400" spc="-1" strike="noStrike">
+                <a:solidFill>
+                  <a:srgbClr val="000000"/>
+                </a:solidFill>
+                <a:latin typeface="Times New Roman"/>
+                <a:ea typeface="Microsoft YaHei"/>
+              </a:rPr>
+              <a:t>Давайте поговорим о </a:t>
+            </a:r>
+            <a:r>
+              <a:rPr b="1" lang="ru-RU" sz="2400" spc="-1" strike="noStrike">
+                <a:solidFill>
+                  <a:srgbClr val="000000"/>
+                </a:solidFill>
+                <a:latin typeface="Times New Roman"/>
+                <a:ea typeface="Microsoft YaHei"/>
+              </a:rPr>
+              <a:t>reset</a:t>
+            </a:r>
+            <a:r>
+              <a:rPr b="0" lang="ru-RU" sz="2400" spc="-1" strike="noStrike">
+                <a:solidFill>
+                  <a:srgbClr val="000000"/>
+                </a:solidFill>
+                <a:latin typeface="Times New Roman"/>
+                <a:ea typeface="Microsoft YaHei"/>
+              </a:rPr>
+              <a:t> и </a:t>
+            </a:r>
+            <a:r>
+              <a:rPr b="1" lang="ru-RU" sz="2400" spc="-1" strike="noStrike">
+                <a:solidFill>
+                  <a:srgbClr val="000000"/>
+                </a:solidFill>
+                <a:latin typeface="Times New Roman"/>
+                <a:ea typeface="Microsoft YaHei"/>
+              </a:rPr>
+              <a:t>checkout</a:t>
+            </a:r>
+            <a:r>
+              <a:rPr b="0" lang="ru-RU" sz="2400" spc="-1" strike="noStrike">
+                <a:solidFill>
+                  <a:srgbClr val="000000"/>
+                </a:solidFill>
+                <a:latin typeface="Times New Roman"/>
+                <a:ea typeface="Microsoft YaHei"/>
+              </a:rPr>
+              <a:t>. Эти команды кажутся самыми непонятными из всех, которые есть в Git, когда вы в первый раз сталкиваетесь с ними. Они делают так много, что попытки по-настоящему их понять и правильно использовать кажутся безнадёжными. Для того, чтобы всё же достичь этого, мы советуем воспользоваться простой аналогией.</a:t>
+            </a:r>
+            <a:endParaRPr b="0" lang="ru-RU" sz="2400" spc="-1" strike="noStrike">
+              <a:latin typeface="Arial"/>
+            </a:endParaRPr>
+          </a:p>
+          <a:p>
+            <a:pPr marL="432000" indent="-318960">
+              <a:lnSpc>
+                <a:spcPct val="100000"/>
+              </a:lnSpc>
+              <a:spcBef>
+                <a:spcPts val="1417"/>
+              </a:spcBef>
+              <a:buClr>
+                <a:srgbClr val="000000"/>
+              </a:buClr>
+              <a:buSzPct val="45000"/>
+              <a:buFont typeface="Wingdings" charset="2"/>
+              <a:buChar char=""/>
+            </a:pPr>
+            <a:r>
+              <a:rPr b="0" lang="ru-RU" sz="2400" spc="-1" strike="noStrike">
+                <a:solidFill>
+                  <a:srgbClr val="000000"/>
+                </a:solidFill>
+                <a:latin typeface="Times New Roman"/>
+                <a:ea typeface="Microsoft YaHei"/>
+              </a:rPr>
+              <a:t>Разобраться с командами </a:t>
+            </a:r>
+            <a:r>
+              <a:rPr b="1" lang="ru-RU" sz="2400" spc="-1" strike="noStrike">
+                <a:solidFill>
+                  <a:srgbClr val="000000"/>
+                </a:solidFill>
+                <a:latin typeface="Times New Roman"/>
+                <a:ea typeface="Microsoft YaHei"/>
+              </a:rPr>
+              <a:t>reset</a:t>
+            </a:r>
+            <a:r>
+              <a:rPr b="0" lang="ru-RU" sz="2400" spc="-1" strike="noStrike">
+                <a:solidFill>
+                  <a:srgbClr val="000000"/>
+                </a:solidFill>
+                <a:latin typeface="Times New Roman"/>
+                <a:ea typeface="Microsoft YaHei"/>
+              </a:rPr>
+              <a:t> и </a:t>
+            </a:r>
+            <a:r>
+              <a:rPr b="1" lang="ru-RU" sz="2400" spc="-1" strike="noStrike">
+                <a:solidFill>
+                  <a:srgbClr val="000000"/>
+                </a:solidFill>
+                <a:latin typeface="Times New Roman"/>
+                <a:ea typeface="Microsoft YaHei"/>
+              </a:rPr>
+              <a:t>checkout</a:t>
+            </a:r>
+            <a:r>
+              <a:rPr b="0" lang="ru-RU" sz="2400" spc="-1" strike="noStrike">
+                <a:solidFill>
+                  <a:srgbClr val="000000"/>
+                </a:solidFill>
+                <a:latin typeface="Times New Roman"/>
+                <a:ea typeface="Microsoft YaHei"/>
+              </a:rPr>
+              <a:t> будет проще, если считать, что Git управляет содержимым трёх различных деревьев. Здесь под “деревом” мы понимаем “набор файлов”, а не специальную структуру данных. (В некоторых случаях индекс ведет себя не совсем так, как дерево, но для наших текущих целей его проще представлять именно таким.)</a:t>
+            </a:r>
+            <a:endParaRPr b="0" lang="ru-RU" sz="2400" spc="-1" strike="noStrike">
+              <a:latin typeface="Arial"/>
+            </a:endParaRPr>
+          </a:p>
+        </p:txBody>
+      </p:sp>
     </p:spTree>
   </p:cSld>
   <mc:AlternateContent>
